--- a/ML - Machine Learning/Notes/KMeans_KMedoids_Hierarchical.pptx
+++ b/ML - Machine Learning/Notes/KMeans_KMedoids_Hierarchical.pptx
@@ -180,7 +180,7 @@
           </a:lstStyle>
           <a:p>
             <a:r>
-              <a:rPr lang="en-US" smtClean="0"/>
+              <a:rPr lang="en-US"/>
               <a:t>Click to edit Master title style</a:t>
             </a:r>
             <a:endParaRPr lang="en-IN"/>
@@ -245,7 +245,7 @@
           </a:lstStyle>
           <a:p>
             <a:r>
-              <a:rPr lang="en-US" smtClean="0"/>
+              <a:rPr lang="en-US"/>
               <a:t>Click to edit Master subtitle style</a:t>
             </a:r>
             <a:endParaRPr lang="en-IN"/>
@@ -269,7 +269,7 @@
           <a:p>
             <a:fld id="{11B7DC89-09BF-4092-B4F8-5C160AF9417D}" type="datetimeFigureOut">
               <a:rPr lang="en-IN" smtClean="0"/>
-              <a:t>27-10-2021</a:t>
+              <a:t>14/02/22</a:t>
             </a:fld>
             <a:endParaRPr lang="en-IN"/>
           </a:p>
@@ -363,7 +363,7 @@
           <a:lstStyle/>
           <a:p>
             <a:r>
-              <a:rPr lang="en-US" smtClean="0"/>
+              <a:rPr lang="en-US"/>
               <a:t>Click to edit Master title style</a:t>
             </a:r>
             <a:endParaRPr lang="en-IN"/>
@@ -387,35 +387,35 @@
           <a:p>
             <a:pPr lvl="0"/>
             <a:r>
-              <a:rPr lang="en-US" smtClean="0"/>
+              <a:rPr lang="en-US"/>
               <a:t>Click to edit Master text styles</a:t>
             </a:r>
           </a:p>
           <a:p>
             <a:pPr lvl="1"/>
             <a:r>
-              <a:rPr lang="en-US" smtClean="0"/>
+              <a:rPr lang="en-US"/>
               <a:t>Second level</a:t>
             </a:r>
           </a:p>
           <a:p>
             <a:pPr lvl="2"/>
             <a:r>
-              <a:rPr lang="en-US" smtClean="0"/>
+              <a:rPr lang="en-US"/>
               <a:t>Third level</a:t>
             </a:r>
           </a:p>
           <a:p>
             <a:pPr lvl="3"/>
             <a:r>
-              <a:rPr lang="en-US" smtClean="0"/>
+              <a:rPr lang="en-US"/>
               <a:t>Fourth level</a:t>
             </a:r>
           </a:p>
           <a:p>
             <a:pPr lvl="4"/>
             <a:r>
-              <a:rPr lang="en-US" smtClean="0"/>
+              <a:rPr lang="en-US"/>
               <a:t>Fifth level</a:t>
             </a:r>
             <a:endParaRPr lang="en-IN"/>
@@ -439,7 +439,7 @@
           <a:p>
             <a:fld id="{11B7DC89-09BF-4092-B4F8-5C160AF9417D}" type="datetimeFigureOut">
               <a:rPr lang="en-IN" smtClean="0"/>
-              <a:t>27-10-2021</a:t>
+              <a:t>14/02/22</a:t>
             </a:fld>
             <a:endParaRPr lang="en-IN"/>
           </a:p>
@@ -538,7 +538,7 @@
           <a:lstStyle/>
           <a:p>
             <a:r>
-              <a:rPr lang="en-US" smtClean="0"/>
+              <a:rPr lang="en-US"/>
               <a:t>Click to edit Master title style</a:t>
             </a:r>
             <a:endParaRPr lang="en-IN"/>
@@ -567,35 +567,35 @@
           <a:p>
             <a:pPr lvl="0"/>
             <a:r>
-              <a:rPr lang="en-US" smtClean="0"/>
+              <a:rPr lang="en-US"/>
               <a:t>Click to edit Master text styles</a:t>
             </a:r>
           </a:p>
           <a:p>
             <a:pPr lvl="1"/>
             <a:r>
-              <a:rPr lang="en-US" smtClean="0"/>
+              <a:rPr lang="en-US"/>
               <a:t>Second level</a:t>
             </a:r>
           </a:p>
           <a:p>
             <a:pPr lvl="2"/>
             <a:r>
-              <a:rPr lang="en-US" smtClean="0"/>
+              <a:rPr lang="en-US"/>
               <a:t>Third level</a:t>
             </a:r>
           </a:p>
           <a:p>
             <a:pPr lvl="3"/>
             <a:r>
-              <a:rPr lang="en-US" smtClean="0"/>
+              <a:rPr lang="en-US"/>
               <a:t>Fourth level</a:t>
             </a:r>
           </a:p>
           <a:p>
             <a:pPr lvl="4"/>
             <a:r>
-              <a:rPr lang="en-US" smtClean="0"/>
+              <a:rPr lang="en-US"/>
               <a:t>Fifth level</a:t>
             </a:r>
             <a:endParaRPr lang="en-IN"/>
@@ -619,7 +619,7 @@
           <a:p>
             <a:fld id="{11B7DC89-09BF-4092-B4F8-5C160AF9417D}" type="datetimeFigureOut">
               <a:rPr lang="en-IN" smtClean="0"/>
-              <a:t>27-10-2021</a:t>
+              <a:t>14/02/22</a:t>
             </a:fld>
             <a:endParaRPr lang="en-IN"/>
           </a:p>
@@ -713,7 +713,7 @@
           <a:lstStyle/>
           <a:p>
             <a:r>
-              <a:rPr lang="en-US" smtClean="0"/>
+              <a:rPr lang="en-US"/>
               <a:t>Click to edit Master title style</a:t>
             </a:r>
             <a:endParaRPr lang="en-IN"/>
@@ -737,35 +737,35 @@
           <a:p>
             <a:pPr lvl="0"/>
             <a:r>
-              <a:rPr lang="en-US" smtClean="0"/>
+              <a:rPr lang="en-US"/>
               <a:t>Click to edit Master text styles</a:t>
             </a:r>
           </a:p>
           <a:p>
             <a:pPr lvl="1"/>
             <a:r>
-              <a:rPr lang="en-US" smtClean="0"/>
+              <a:rPr lang="en-US"/>
               <a:t>Second level</a:t>
             </a:r>
           </a:p>
           <a:p>
             <a:pPr lvl="2"/>
             <a:r>
-              <a:rPr lang="en-US" smtClean="0"/>
+              <a:rPr lang="en-US"/>
               <a:t>Third level</a:t>
             </a:r>
           </a:p>
           <a:p>
             <a:pPr lvl="3"/>
             <a:r>
-              <a:rPr lang="en-US" smtClean="0"/>
+              <a:rPr lang="en-US"/>
               <a:t>Fourth level</a:t>
             </a:r>
           </a:p>
           <a:p>
             <a:pPr lvl="4"/>
             <a:r>
-              <a:rPr lang="en-US" smtClean="0"/>
+              <a:rPr lang="en-US"/>
               <a:t>Fifth level</a:t>
             </a:r>
             <a:endParaRPr lang="en-IN"/>
@@ -789,7 +789,7 @@
           <a:p>
             <a:fld id="{11B7DC89-09BF-4092-B4F8-5C160AF9417D}" type="datetimeFigureOut">
               <a:rPr lang="en-IN" smtClean="0"/>
-              <a:t>27-10-2021</a:t>
+              <a:t>14/02/22</a:t>
             </a:fld>
             <a:endParaRPr lang="en-IN"/>
           </a:p>
@@ -892,7 +892,7 @@
           </a:lstStyle>
           <a:p>
             <a:r>
-              <a:rPr lang="en-US" smtClean="0"/>
+              <a:rPr lang="en-US"/>
               <a:t>Click to edit Master title style</a:t>
             </a:r>
             <a:endParaRPr lang="en-IN"/>
@@ -1012,7 +1012,7 @@
           <a:p>
             <a:pPr lvl="0"/>
             <a:r>
-              <a:rPr lang="en-US" smtClean="0"/>
+              <a:rPr lang="en-US"/>
               <a:t>Click to edit Master text styles</a:t>
             </a:r>
           </a:p>
@@ -1035,7 +1035,7 @@
           <a:p>
             <a:fld id="{11B7DC89-09BF-4092-B4F8-5C160AF9417D}" type="datetimeFigureOut">
               <a:rPr lang="en-IN" smtClean="0"/>
-              <a:t>27-10-2021</a:t>
+              <a:t>14/02/22</a:t>
             </a:fld>
             <a:endParaRPr lang="en-IN"/>
           </a:p>
@@ -1129,7 +1129,7 @@
           <a:lstStyle/>
           <a:p>
             <a:r>
-              <a:rPr lang="en-US" smtClean="0"/>
+              <a:rPr lang="en-US"/>
               <a:t>Click to edit Master title style</a:t>
             </a:r>
             <a:endParaRPr lang="en-IN"/>
@@ -1158,35 +1158,35 @@
           <a:p>
             <a:pPr lvl="0"/>
             <a:r>
-              <a:rPr lang="en-US" smtClean="0"/>
+              <a:rPr lang="en-US"/>
               <a:t>Click to edit Master text styles</a:t>
             </a:r>
           </a:p>
           <a:p>
             <a:pPr lvl="1"/>
             <a:r>
-              <a:rPr lang="en-US" smtClean="0"/>
+              <a:rPr lang="en-US"/>
               <a:t>Second level</a:t>
             </a:r>
           </a:p>
           <a:p>
             <a:pPr lvl="2"/>
             <a:r>
-              <a:rPr lang="en-US" smtClean="0"/>
+              <a:rPr lang="en-US"/>
               <a:t>Third level</a:t>
             </a:r>
           </a:p>
           <a:p>
             <a:pPr lvl="3"/>
             <a:r>
-              <a:rPr lang="en-US" smtClean="0"/>
+              <a:rPr lang="en-US"/>
               <a:t>Fourth level</a:t>
             </a:r>
           </a:p>
           <a:p>
             <a:pPr lvl="4"/>
             <a:r>
-              <a:rPr lang="en-US" smtClean="0"/>
+              <a:rPr lang="en-US"/>
               <a:t>Fifth level</a:t>
             </a:r>
             <a:endParaRPr lang="en-IN"/>
@@ -1215,35 +1215,35 @@
           <a:p>
             <a:pPr lvl="0"/>
             <a:r>
-              <a:rPr lang="en-US" smtClean="0"/>
+              <a:rPr lang="en-US"/>
               <a:t>Click to edit Master text styles</a:t>
             </a:r>
           </a:p>
           <a:p>
             <a:pPr lvl="1"/>
             <a:r>
-              <a:rPr lang="en-US" smtClean="0"/>
+              <a:rPr lang="en-US"/>
               <a:t>Second level</a:t>
             </a:r>
           </a:p>
           <a:p>
             <a:pPr lvl="2"/>
             <a:r>
-              <a:rPr lang="en-US" smtClean="0"/>
+              <a:rPr lang="en-US"/>
               <a:t>Third level</a:t>
             </a:r>
           </a:p>
           <a:p>
             <a:pPr lvl="3"/>
             <a:r>
-              <a:rPr lang="en-US" smtClean="0"/>
+              <a:rPr lang="en-US"/>
               <a:t>Fourth level</a:t>
             </a:r>
           </a:p>
           <a:p>
             <a:pPr lvl="4"/>
             <a:r>
-              <a:rPr lang="en-US" smtClean="0"/>
+              <a:rPr lang="en-US"/>
               <a:t>Fifth level</a:t>
             </a:r>
             <a:endParaRPr lang="en-IN"/>
@@ -1267,7 +1267,7 @@
           <a:p>
             <a:fld id="{11B7DC89-09BF-4092-B4F8-5C160AF9417D}" type="datetimeFigureOut">
               <a:rPr lang="en-IN" smtClean="0"/>
-              <a:t>27-10-2021</a:t>
+              <a:t>14/02/22</a:t>
             </a:fld>
             <a:endParaRPr lang="en-IN"/>
           </a:p>
@@ -1366,7 +1366,7 @@
           <a:lstStyle/>
           <a:p>
             <a:r>
-              <a:rPr lang="en-US" smtClean="0"/>
+              <a:rPr lang="en-US"/>
               <a:t>Click to edit Master title style</a:t>
             </a:r>
             <a:endParaRPr lang="en-IN"/>
@@ -1432,7 +1432,7 @@
           <a:p>
             <a:pPr lvl="0"/>
             <a:r>
-              <a:rPr lang="en-US" smtClean="0"/>
+              <a:rPr lang="en-US"/>
               <a:t>Click to edit Master text styles</a:t>
             </a:r>
           </a:p>
@@ -1460,35 +1460,35 @@
           <a:p>
             <a:pPr lvl="0"/>
             <a:r>
-              <a:rPr lang="en-US" smtClean="0"/>
+              <a:rPr lang="en-US"/>
               <a:t>Click to edit Master text styles</a:t>
             </a:r>
           </a:p>
           <a:p>
             <a:pPr lvl="1"/>
             <a:r>
-              <a:rPr lang="en-US" smtClean="0"/>
+              <a:rPr lang="en-US"/>
               <a:t>Second level</a:t>
             </a:r>
           </a:p>
           <a:p>
             <a:pPr lvl="2"/>
             <a:r>
-              <a:rPr lang="en-US" smtClean="0"/>
+              <a:rPr lang="en-US"/>
               <a:t>Third level</a:t>
             </a:r>
           </a:p>
           <a:p>
             <a:pPr lvl="3"/>
             <a:r>
-              <a:rPr lang="en-US" smtClean="0"/>
+              <a:rPr lang="en-US"/>
               <a:t>Fourth level</a:t>
             </a:r>
           </a:p>
           <a:p>
             <a:pPr lvl="4"/>
             <a:r>
-              <a:rPr lang="en-US" smtClean="0"/>
+              <a:rPr lang="en-US"/>
               <a:t>Fifth level</a:t>
             </a:r>
             <a:endParaRPr lang="en-IN"/>
@@ -1554,7 +1554,7 @@
           <a:p>
             <a:pPr lvl="0"/>
             <a:r>
-              <a:rPr lang="en-US" smtClean="0"/>
+              <a:rPr lang="en-US"/>
               <a:t>Click to edit Master text styles</a:t>
             </a:r>
           </a:p>
@@ -1582,35 +1582,35 @@
           <a:p>
             <a:pPr lvl="0"/>
             <a:r>
-              <a:rPr lang="en-US" smtClean="0"/>
+              <a:rPr lang="en-US"/>
               <a:t>Click to edit Master text styles</a:t>
             </a:r>
           </a:p>
           <a:p>
             <a:pPr lvl="1"/>
             <a:r>
-              <a:rPr lang="en-US" smtClean="0"/>
+              <a:rPr lang="en-US"/>
               <a:t>Second level</a:t>
             </a:r>
           </a:p>
           <a:p>
             <a:pPr lvl="2"/>
             <a:r>
-              <a:rPr lang="en-US" smtClean="0"/>
+              <a:rPr lang="en-US"/>
               <a:t>Third level</a:t>
             </a:r>
           </a:p>
           <a:p>
             <a:pPr lvl="3"/>
             <a:r>
-              <a:rPr lang="en-US" smtClean="0"/>
+              <a:rPr lang="en-US"/>
               <a:t>Fourth level</a:t>
             </a:r>
           </a:p>
           <a:p>
             <a:pPr lvl="4"/>
             <a:r>
-              <a:rPr lang="en-US" smtClean="0"/>
+              <a:rPr lang="en-US"/>
               <a:t>Fifth level</a:t>
             </a:r>
             <a:endParaRPr lang="en-IN"/>
@@ -1634,7 +1634,7 @@
           <a:p>
             <a:fld id="{11B7DC89-09BF-4092-B4F8-5C160AF9417D}" type="datetimeFigureOut">
               <a:rPr lang="en-IN" smtClean="0"/>
-              <a:t>27-10-2021</a:t>
+              <a:t>14/02/22</a:t>
             </a:fld>
             <a:endParaRPr lang="en-IN"/>
           </a:p>
@@ -1728,7 +1728,7 @@
           <a:lstStyle/>
           <a:p>
             <a:r>
-              <a:rPr lang="en-US" smtClean="0"/>
+              <a:rPr lang="en-US"/>
               <a:t>Click to edit Master title style</a:t>
             </a:r>
             <a:endParaRPr lang="en-IN"/>
@@ -1752,7 +1752,7 @@
           <a:p>
             <a:fld id="{11B7DC89-09BF-4092-B4F8-5C160AF9417D}" type="datetimeFigureOut">
               <a:rPr lang="en-IN" smtClean="0"/>
-              <a:t>27-10-2021</a:t>
+              <a:t>14/02/22</a:t>
             </a:fld>
             <a:endParaRPr lang="en-IN"/>
           </a:p>
@@ -1847,7 +1847,7 @@
           <a:p>
             <a:fld id="{11B7DC89-09BF-4092-B4F8-5C160AF9417D}" type="datetimeFigureOut">
               <a:rPr lang="en-IN" smtClean="0"/>
-              <a:t>27-10-2021</a:t>
+              <a:t>14/02/22</a:t>
             </a:fld>
             <a:endParaRPr lang="en-IN"/>
           </a:p>
@@ -1950,7 +1950,7 @@
           </a:lstStyle>
           <a:p>
             <a:r>
-              <a:rPr lang="en-US" smtClean="0"/>
+              <a:rPr lang="en-US"/>
               <a:t>Click to edit Master title style</a:t>
             </a:r>
             <a:endParaRPr lang="en-IN"/>
@@ -2007,35 +2007,35 @@
           <a:p>
             <a:pPr lvl="0"/>
             <a:r>
-              <a:rPr lang="en-US" smtClean="0"/>
+              <a:rPr lang="en-US"/>
               <a:t>Click to edit Master text styles</a:t>
             </a:r>
           </a:p>
           <a:p>
             <a:pPr lvl="1"/>
             <a:r>
-              <a:rPr lang="en-US" smtClean="0"/>
+              <a:rPr lang="en-US"/>
               <a:t>Second level</a:t>
             </a:r>
           </a:p>
           <a:p>
             <a:pPr lvl="2"/>
             <a:r>
-              <a:rPr lang="en-US" smtClean="0"/>
+              <a:rPr lang="en-US"/>
               <a:t>Third level</a:t>
             </a:r>
           </a:p>
           <a:p>
             <a:pPr lvl="3"/>
             <a:r>
-              <a:rPr lang="en-US" smtClean="0"/>
+              <a:rPr lang="en-US"/>
               <a:t>Fourth level</a:t>
             </a:r>
           </a:p>
           <a:p>
             <a:pPr lvl="4"/>
             <a:r>
-              <a:rPr lang="en-US" smtClean="0"/>
+              <a:rPr lang="en-US"/>
               <a:t>Fifth level</a:t>
             </a:r>
             <a:endParaRPr lang="en-IN"/>
@@ -2101,7 +2101,7 @@
           <a:p>
             <a:pPr lvl="0"/>
             <a:r>
-              <a:rPr lang="en-US" smtClean="0"/>
+              <a:rPr lang="en-US"/>
               <a:t>Click to edit Master text styles</a:t>
             </a:r>
           </a:p>
@@ -2124,7 +2124,7 @@
           <a:p>
             <a:fld id="{11B7DC89-09BF-4092-B4F8-5C160AF9417D}" type="datetimeFigureOut">
               <a:rPr lang="en-IN" smtClean="0"/>
-              <a:t>27-10-2021</a:t>
+              <a:t>14/02/22</a:t>
             </a:fld>
             <a:endParaRPr lang="en-IN"/>
           </a:p>
@@ -2227,7 +2227,7 @@
           </a:lstStyle>
           <a:p>
             <a:r>
-              <a:rPr lang="en-US" smtClean="0"/>
+              <a:rPr lang="en-US"/>
               <a:t>Click to edit Master title style</a:t>
             </a:r>
             <a:endParaRPr lang="en-IN"/>
@@ -2354,7 +2354,7 @@
           <a:p>
             <a:pPr lvl="0"/>
             <a:r>
-              <a:rPr lang="en-US" smtClean="0"/>
+              <a:rPr lang="en-US"/>
               <a:t>Click to edit Master text styles</a:t>
             </a:r>
           </a:p>
@@ -2377,7 +2377,7 @@
           <a:p>
             <a:fld id="{11B7DC89-09BF-4092-B4F8-5C160AF9417D}" type="datetimeFigureOut">
               <a:rPr lang="en-IN" smtClean="0"/>
-              <a:t>27-10-2021</a:t>
+              <a:t>14/02/22</a:t>
             </a:fld>
             <a:endParaRPr lang="en-IN"/>
           </a:p>
@@ -2486,7 +2486,7 @@
           <a:lstStyle/>
           <a:p>
             <a:r>
-              <a:rPr lang="en-US" smtClean="0"/>
+              <a:rPr lang="en-US"/>
               <a:t>Click to edit Master title style</a:t>
             </a:r>
             <a:endParaRPr lang="en-IN"/>
@@ -2520,35 +2520,35 @@
           <a:p>
             <a:pPr lvl="0"/>
             <a:r>
-              <a:rPr lang="en-US" smtClean="0"/>
+              <a:rPr lang="en-US"/>
               <a:t>Click to edit Master text styles</a:t>
             </a:r>
           </a:p>
           <a:p>
             <a:pPr lvl="1"/>
             <a:r>
-              <a:rPr lang="en-US" smtClean="0"/>
+              <a:rPr lang="en-US"/>
               <a:t>Second level</a:t>
             </a:r>
           </a:p>
           <a:p>
             <a:pPr lvl="2"/>
             <a:r>
-              <a:rPr lang="en-US" smtClean="0"/>
+              <a:rPr lang="en-US"/>
               <a:t>Third level</a:t>
             </a:r>
           </a:p>
           <a:p>
             <a:pPr lvl="3"/>
             <a:r>
-              <a:rPr lang="en-US" smtClean="0"/>
+              <a:rPr lang="en-US"/>
               <a:t>Fourth level</a:t>
             </a:r>
           </a:p>
           <a:p>
             <a:pPr lvl="4"/>
             <a:r>
-              <a:rPr lang="en-US" smtClean="0"/>
+              <a:rPr lang="en-US"/>
               <a:t>Fifth level</a:t>
             </a:r>
             <a:endParaRPr lang="en-IN"/>
@@ -2590,7 +2590,7 @@
           <a:p>
             <a:fld id="{11B7DC89-09BF-4092-B4F8-5C160AF9417D}" type="datetimeFigureOut">
               <a:rPr lang="en-IN" smtClean="0"/>
-              <a:t>27-10-2021</a:t>
+              <a:t>14/02/22</a:t>
             </a:fld>
             <a:endParaRPr lang="en-IN"/>
           </a:p>
@@ -3011,10 +3011,9 @@
           <a:lstStyle/>
           <a:p>
             <a:r>
-              <a:rPr lang="en-IN" dirty="0" smtClean="0"/>
+              <a:rPr lang="en-IN" dirty="0"/>
               <a:t>Unsupervised Learning</a:t>
             </a:r>
-            <a:endParaRPr lang="en-IN" dirty="0"/>
           </a:p>
         </p:txBody>
       </p:sp>
@@ -3047,13 +3046,6 @@
   <p:clrMapOvr>
     <a:masterClrMapping/>
   </p:clrMapOvr>
-  <p:timing>
-    <p:tnLst>
-      <p:par>
-        <p:cTn id="1" dur="indefinite" restart="never" nodeType="tmRoot"/>
-      </p:par>
-    </p:tnLst>
-  </p:timing>
 </p:sld>
 </file>
 
@@ -3126,76 +3118,88 @@
               <a:rPr lang="en-IN" dirty="0">
                 <a:latin typeface="Garamond" panose="02020404030301010803" pitchFamily="18" charset="0"/>
               </a:rPr>
+              <a:t>a) d(</a:t>
+            </a:r>
+            <a:r>
+              <a:rPr lang="en-IN" dirty="0" err="1">
+                <a:latin typeface="Garamond" panose="02020404030301010803" pitchFamily="18" charset="0"/>
+              </a:rPr>
+              <a:t>a,b</a:t>
+            </a:r>
+            <a:r>
+              <a:rPr lang="en-IN" dirty="0">
+                <a:latin typeface="Garamond" panose="02020404030301010803" pitchFamily="18" charset="0"/>
+              </a:rPr>
+              <a:t>) denotes the Euclidean distance between a and b. It is obtained directly from the distance matrix or calculated as follows: d(</a:t>
+            </a:r>
+            <a:r>
+              <a:rPr lang="en-IN" dirty="0" err="1">
+                <a:latin typeface="Garamond" panose="02020404030301010803" pitchFamily="18" charset="0"/>
+              </a:rPr>
+              <a:t>a,b</a:t>
+            </a:r>
+            <a:r>
+              <a:rPr lang="en-IN" dirty="0">
+                <a:latin typeface="Garamond" panose="02020404030301010803" pitchFamily="18" charset="0"/>
+              </a:rPr>
+              <a:t>)=sqrt((x</a:t>
+            </a:r>
+            <a:r>
+              <a:rPr lang="en-IN" baseline="-25000" dirty="0">
+                <a:latin typeface="Garamond" panose="02020404030301010803" pitchFamily="18" charset="0"/>
+              </a:rPr>
+              <a:t>b</a:t>
+            </a:r>
+            <a:r>
+              <a:rPr lang="en-IN" dirty="0">
+                <a:latin typeface="Garamond" panose="02020404030301010803" pitchFamily="18" charset="0"/>
+              </a:rPr>
+              <a:t>-x</a:t>
+            </a:r>
+            <a:r>
+              <a:rPr lang="en-IN" baseline="-25000" dirty="0">
+                <a:latin typeface="Garamond" panose="02020404030301010803" pitchFamily="18" charset="0"/>
+              </a:rPr>
               <a:t>a</a:t>
             </a:r>
             <a:r>
-              <a:rPr lang="en-IN" dirty="0" smtClean="0">
-                <a:latin typeface="Garamond" panose="02020404030301010803" pitchFamily="18" charset="0"/>
-              </a:rPr>
-              <a:t>) d(</a:t>
-            </a:r>
-            <a:r>
-              <a:rPr lang="en-IN" dirty="0" err="1" smtClean="0">
-                <a:latin typeface="Garamond" panose="02020404030301010803" pitchFamily="18" charset="0"/>
-              </a:rPr>
-              <a:t>a,b</a:t>
-            </a:r>
-            <a:r>
-              <a:rPr lang="en-IN" dirty="0">
-                <a:latin typeface="Garamond" panose="02020404030301010803" pitchFamily="18" charset="0"/>
-              </a:rPr>
-              <a:t>) denotes the </a:t>
-            </a:r>
-            <a:r>
-              <a:rPr lang="en-IN" dirty="0" smtClean="0">
-                <a:latin typeface="Garamond" panose="02020404030301010803" pitchFamily="18" charset="0"/>
-              </a:rPr>
-              <a:t>Euclidean </a:t>
-            </a:r>
-            <a:r>
-              <a:rPr lang="en-IN" dirty="0">
-                <a:latin typeface="Garamond" panose="02020404030301010803" pitchFamily="18" charset="0"/>
-              </a:rPr>
-              <a:t>distance between a and b. It is obtained directly from the distance matrix </a:t>
-            </a:r>
-            <a:r>
-              <a:rPr lang="en-IN" dirty="0" smtClean="0">
-                <a:latin typeface="Garamond" panose="02020404030301010803" pitchFamily="18" charset="0"/>
-              </a:rPr>
-              <a:t>or calculated </a:t>
-            </a:r>
-            <a:r>
-              <a:rPr lang="en-IN" dirty="0">
-                <a:latin typeface="Garamond" panose="02020404030301010803" pitchFamily="18" charset="0"/>
-              </a:rPr>
-              <a:t>as follows: d(</a:t>
+              <a:rPr lang="en-IN" dirty="0">
+                <a:latin typeface="Garamond" panose="02020404030301010803" pitchFamily="18" charset="0"/>
+              </a:rPr>
+              <a:t>)</a:t>
+            </a:r>
+            <a:r>
+              <a:rPr lang="en-IN" baseline="30000" dirty="0">
+                <a:latin typeface="Garamond" panose="02020404030301010803" pitchFamily="18" charset="0"/>
+              </a:rPr>
+              <a:t>2</a:t>
+            </a:r>
+            <a:r>
+              <a:rPr lang="en-IN" dirty="0">
+                <a:latin typeface="Garamond" panose="02020404030301010803" pitchFamily="18" charset="0"/>
+              </a:rPr>
+              <a:t>+(</a:t>
             </a:r>
             <a:r>
               <a:rPr lang="en-IN" dirty="0" err="1">
                 <a:latin typeface="Garamond" panose="02020404030301010803" pitchFamily="18" charset="0"/>
               </a:rPr>
-              <a:t>a,b</a:t>
-            </a:r>
-            <a:r>
-              <a:rPr lang="en-IN" dirty="0">
-                <a:latin typeface="Garamond" panose="02020404030301010803" pitchFamily="18" charset="0"/>
-              </a:rPr>
-              <a:t>)=sqrt((x</a:t>
-            </a:r>
-            <a:r>
-              <a:rPr lang="en-IN" baseline="-25000" dirty="0">
+              <a:t>y</a:t>
+            </a:r>
+            <a:r>
+              <a:rPr lang="en-IN" baseline="-25000" dirty="0" err="1">
                 <a:latin typeface="Garamond" panose="02020404030301010803" pitchFamily="18" charset="0"/>
               </a:rPr>
               <a:t>b</a:t>
             </a:r>
             <a:r>
-              <a:rPr lang="en-IN" dirty="0">
-                <a:latin typeface="Garamond" panose="02020404030301010803" pitchFamily="18" charset="0"/>
-              </a:rPr>
-              <a:t>-x</a:t>
-            </a:r>
-            <a:r>
-              <a:rPr lang="en-IN" baseline="-25000" dirty="0">
+              <a:rPr lang="en-IN" dirty="0" err="1">
+                <a:latin typeface="Garamond" panose="02020404030301010803" pitchFamily="18" charset="0"/>
+              </a:rPr>
+              <a:t>-y</a:t>
+            </a:r>
+            <a:r>
+              <a:rPr lang="en-IN" baseline="-25000" dirty="0" err="1">
                 <a:latin typeface="Garamond" panose="02020404030301010803" pitchFamily="18" charset="0"/>
               </a:rPr>
               <a:t>a</a:t>
@@ -3216,48 +3220,6 @@
               <a:rPr lang="en-IN" dirty="0">
                 <a:latin typeface="Garamond" panose="02020404030301010803" pitchFamily="18" charset="0"/>
               </a:rPr>
-              <a:t>+(</a:t>
-            </a:r>
-            <a:r>
-              <a:rPr lang="en-IN" dirty="0" err="1">
-                <a:latin typeface="Garamond" panose="02020404030301010803" pitchFamily="18" charset="0"/>
-              </a:rPr>
-              <a:t>y</a:t>
-            </a:r>
-            <a:r>
-              <a:rPr lang="en-IN" baseline="-25000" dirty="0" err="1">
-                <a:latin typeface="Garamond" panose="02020404030301010803" pitchFamily="18" charset="0"/>
-              </a:rPr>
-              <a:t>b</a:t>
-            </a:r>
-            <a:r>
-              <a:rPr lang="en-IN" dirty="0" err="1">
-                <a:latin typeface="Garamond" panose="02020404030301010803" pitchFamily="18" charset="0"/>
-              </a:rPr>
-              <a:t>-y</a:t>
-            </a:r>
-            <a:r>
-              <a:rPr lang="en-IN" baseline="-25000" dirty="0" err="1">
-                <a:latin typeface="Garamond" panose="02020404030301010803" pitchFamily="18" charset="0"/>
-              </a:rPr>
-              <a:t>a</a:t>
-            </a:r>
-            <a:r>
-              <a:rPr lang="en-IN" dirty="0">
-                <a:latin typeface="Garamond" panose="02020404030301010803" pitchFamily="18" charset="0"/>
-              </a:rPr>
-              <a:t>)</a:t>
-            </a:r>
-            <a:r>
-              <a:rPr lang="en-IN" baseline="30000" dirty="0">
-                <a:latin typeface="Garamond" panose="02020404030301010803" pitchFamily="18" charset="0"/>
-              </a:rPr>
-              <a:t>2</a:t>
-            </a:r>
-            <a:r>
-              <a:rPr lang="en-IN" dirty="0">
-                <a:latin typeface="Garamond" panose="02020404030301010803" pitchFamily="18" charset="0"/>
-              </a:rPr>
               <a:t>))</a:t>
             </a:r>
           </a:p>
@@ -3266,13 +3228,7 @@
               <a:rPr lang="en-IN" dirty="0">
                 <a:latin typeface="Garamond" panose="02020404030301010803" pitchFamily="18" charset="0"/>
               </a:rPr>
-              <a:t>seed1=A1=(2,10), seed2=A4=(5,8), seed3=A7=(1,2</a:t>
-            </a:r>
-            <a:r>
-              <a:rPr lang="en-IN" dirty="0" smtClean="0">
-                <a:latin typeface="Garamond" panose="02020404030301010803" pitchFamily="18" charset="0"/>
-              </a:rPr>
-              <a:t>)</a:t>
+              <a:t>seed1=A1=(2,10), seed2=A4=(5,8), seed3=A7=(1,2)</a:t>
             </a:r>
           </a:p>
         </p:txBody>
@@ -3287,13 +3243,6 @@
   <p:clrMapOvr>
     <a:masterClrMapping/>
   </p:clrMapOvr>
-  <p:timing>
-    <p:tnLst>
-      <p:par>
-        <p:cTn id="1" dur="indefinite" restart="never" nodeType="tmRoot"/>
-      </p:par>
-    </p:tnLst>
-  </p:timing>
 </p:sld>
 </file>
 
@@ -3337,14 +3286,11 @@
           <a:lstStyle/>
           <a:p>
             <a:r>
-              <a:rPr lang="en-IN" dirty="0" smtClean="0">
+              <a:rPr lang="en-IN" dirty="0">
                 <a:latin typeface="Garamond" panose="02020404030301010803" pitchFamily="18" charset="0"/>
               </a:rPr>
               <a:t>epoch1</a:t>
             </a:r>
-            <a:endParaRPr lang="en-IN" dirty="0">
-              <a:latin typeface="Garamond" panose="02020404030301010803" pitchFamily="18" charset="0"/>
-            </a:endParaRPr>
           </a:p>
         </p:txBody>
       </p:sp>
@@ -3630,13 +3576,6 @@
   <p:clrMapOvr>
     <a:masterClrMapping/>
   </p:clrMapOvr>
-  <p:timing>
-    <p:tnLst>
-      <p:par>
-        <p:cTn id="1" dur="indefinite" restart="never" nodeType="tmRoot"/>
-      </p:par>
-    </p:tnLst>
-  </p:timing>
 </p:sld>
 </file>
 
@@ -3777,13 +3716,6 @@
   <p:clrMapOvr>
     <a:masterClrMapping/>
   </p:clrMapOvr>
-  <p:timing>
-    <p:tnLst>
-      <p:par>
-        <p:cTn id="1" dur="indefinite" restart="never" nodeType="tmRoot"/>
-      </p:par>
-    </p:tnLst>
-  </p:timing>
 </p:sld>
 </file>
 
@@ -3876,13 +3808,6 @@
   <p:clrMapOvr>
     <a:masterClrMapping/>
   </p:clrMapOvr>
-  <p:timing>
-    <p:tnLst>
-      <p:par>
-        <p:cTn id="1" dur="indefinite" restart="never" nodeType="tmRoot"/>
-      </p:par>
-    </p:tnLst>
-  </p:timing>
 </p:sld>
 </file>
 
@@ -3961,13 +3886,6 @@
   <p:clrMapOvr>
     <a:masterClrMapping/>
   </p:clrMapOvr>
-  <p:timing>
-    <p:tnLst>
-      <p:par>
-        <p:cTn id="1" dur="indefinite" restart="never" nodeType="tmRoot"/>
-      </p:par>
-    </p:tnLst>
-  </p:timing>
 </p:sld>
 </file>
 
@@ -4004,10 +3922,9 @@
           <a:lstStyle/>
           <a:p>
             <a:r>
-              <a:rPr lang="en-IN" dirty="0" smtClean="0"/>
+              <a:rPr lang="en-IN" dirty="0"/>
               <a:t>Limitation of K-means</a:t>
             </a:r>
-            <a:endParaRPr lang="en-IN" dirty="0"/>
           </a:p>
         </p:txBody>
       </p:sp>
@@ -4034,22 +3951,17 @@
           <a:lstStyle/>
           <a:p>
             <a:r>
-              <a:rPr lang="en-IN" dirty="0" smtClean="0"/>
-              <a:t>The </a:t>
-            </a:r>
-            <a:r>
               <a:rPr lang="en-IN" dirty="0"/>
-              <a:t>algorithm is sensitive to </a:t>
-            </a:r>
-            <a:r>
-              <a:rPr lang="en-IN" b="1" dirty="0" smtClean="0"/>
+              <a:t>The algorithm is sensitive to </a:t>
+            </a:r>
+            <a:r>
+              <a:rPr lang="en-IN" b="1" dirty="0"/>
               <a:t>outliers – </a:t>
             </a:r>
             <a:r>
-              <a:rPr lang="en-IN" dirty="0" smtClean="0"/>
+              <a:rPr lang="en-IN" dirty="0"/>
               <a:t>as the mean is easily influenced by the extreme values.</a:t>
             </a:r>
-            <a:endParaRPr lang="en-IN" dirty="0"/>
           </a:p>
         </p:txBody>
       </p:sp>
@@ -4087,13 +3999,6 @@
   <p:clrMapOvr>
     <a:masterClrMapping/>
   </p:clrMapOvr>
-  <p:timing>
-    <p:tnLst>
-      <p:par>
-        <p:cTn id="1" dur="indefinite" restart="never" nodeType="tmRoot"/>
-      </p:par>
-    </p:tnLst>
-  </p:timing>
 </p:sld>
 </file>
 
@@ -4130,10 +4035,9 @@
           <a:lstStyle/>
           <a:p>
             <a:r>
-              <a:rPr lang="en-IN" dirty="0" smtClean="0"/>
+              <a:rPr lang="en-IN" dirty="0"/>
               <a:t>Sensitive to initial seeds</a:t>
             </a:r>
-            <a:endParaRPr lang="en-IN" dirty="0"/>
           </a:p>
         </p:txBody>
       </p:sp>
@@ -4190,13 +4094,6 @@
   <p:clrMapOvr>
     <a:masterClrMapping/>
   </p:clrMapOvr>
-  <p:timing>
-    <p:tnLst>
-      <p:par>
-        <p:cTn id="1" dur="indefinite" restart="never" nodeType="tmRoot"/>
-      </p:par>
-    </p:tnLst>
-  </p:timing>
 </p:sld>
 </file>
 
@@ -4238,43 +4135,43 @@
           <a:lstStyle/>
           <a:p>
             <a:r>
-              <a:rPr lang="en-IN" b="1" dirty="0" smtClean="0">
+              <a:rPr lang="en-IN" b="1" dirty="0">
                 <a:latin typeface="Garamond" panose="02020404030301010803" pitchFamily="18" charset="0"/>
               </a:rPr>
               <a:t>K-</a:t>
             </a:r>
             <a:r>
-              <a:rPr lang="en-IN" b="1" dirty="0" err="1" smtClean="0">
+              <a:rPr lang="en-IN" b="1" dirty="0" err="1">
                 <a:latin typeface="Garamond" panose="02020404030301010803" pitchFamily="18" charset="0"/>
               </a:rPr>
               <a:t>medoids</a:t>
             </a:r>
             <a:r>
-              <a:rPr lang="en-IN" b="1" dirty="0" smtClean="0">
+              <a:rPr lang="en-IN" b="1" dirty="0">
                 <a:latin typeface="Garamond" panose="02020404030301010803" pitchFamily="18" charset="0"/>
               </a:rPr>
               <a:t> </a:t>
             </a:r>
             <a:r>
-              <a:rPr lang="en-IN" dirty="0" smtClean="0">
+              <a:rPr lang="en-IN" dirty="0">
                 <a:latin typeface="Garamond" panose="02020404030301010803" pitchFamily="18" charset="0"/>
               </a:rPr>
               <a:t>(</a:t>
             </a:r>
             <a:r>
-              <a:rPr lang="en-IN" b="1" dirty="0" smtClean="0">
+              <a:rPr lang="en-IN" b="1" dirty="0">
                 <a:latin typeface="Garamond" panose="02020404030301010803" pitchFamily="18" charset="0"/>
               </a:rPr>
               <a:t>partitioning around </a:t>
             </a:r>
             <a:r>
-              <a:rPr lang="en-IN" b="1" dirty="0" err="1" smtClean="0">
+              <a:rPr lang="en-IN" b="1" dirty="0" err="1">
                 <a:latin typeface="Garamond" panose="02020404030301010803" pitchFamily="18" charset="0"/>
               </a:rPr>
               <a:t>medoids</a:t>
             </a:r>
             <a:r>
-              <a:rPr lang="en-IN" b="1" dirty="0" smtClean="0">
+              <a:rPr lang="en-IN" b="1" dirty="0">
                 <a:latin typeface="Garamond" panose="02020404030301010803" pitchFamily="18" charset="0"/>
               </a:rPr>
               <a:t>(PAM)) Algorithm</a:t>
@@ -4332,33 +4229,21 @@
               </a:rPr>
               <a:t> uses an actual point in the cluster to represent it. </a:t>
             </a:r>
-            <a:endParaRPr lang="en-IN" dirty="0" smtClean="0">
-              <a:latin typeface="Garamond" panose="02020404030301010803" pitchFamily="18" charset="0"/>
-            </a:endParaRPr>
           </a:p>
           <a:p>
             <a:pPr algn="just"/>
             <a:r>
-              <a:rPr lang="en-IN" dirty="0" err="1" smtClean="0">
+              <a:rPr lang="en-IN" dirty="0" err="1">
                 <a:latin typeface="Garamond" panose="02020404030301010803" pitchFamily="18" charset="0"/>
               </a:rPr>
               <a:t>Medoid</a:t>
             </a:r>
             <a:r>
-              <a:rPr lang="en-IN" dirty="0" smtClean="0">
-                <a:latin typeface="Garamond" panose="02020404030301010803" pitchFamily="18" charset="0"/>
-              </a:rPr>
-              <a:t> </a:t>
-            </a:r>
-            <a:r>
-              <a:rPr lang="en-IN" dirty="0">
-                <a:latin typeface="Garamond" panose="02020404030301010803" pitchFamily="18" charset="0"/>
-              </a:rPr>
-              <a:t>is the most centrally located object of the cluster, with minimum sum of distances to other points. </a:t>
-            </a:r>
-            <a:endParaRPr lang="en-IN" dirty="0" smtClean="0">
-              <a:latin typeface="Garamond" panose="02020404030301010803" pitchFamily="18" charset="0"/>
-            </a:endParaRPr>
+              <a:rPr lang="en-IN" dirty="0">
+                <a:latin typeface="Garamond" panose="02020404030301010803" pitchFamily="18" charset="0"/>
+              </a:rPr>
+              <a:t> is the most centrally located object of the cluster, with minimum sum of distances to other points. </a:t>
+            </a:r>
           </a:p>
           <a:p>
             <a:pPr algn="just"/>
@@ -4368,7 +4253,7 @@
           </a:p>
           <a:p>
             <a:pPr algn="just"/>
-            <a:endParaRPr lang="en-IN" dirty="0" smtClean="0">
+            <a:endParaRPr lang="en-IN" dirty="0">
               <a:latin typeface="Garamond" panose="02020404030301010803" pitchFamily="18" charset="0"/>
             </a:endParaRPr>
           </a:p>
@@ -4380,7 +4265,7 @@
           </a:p>
           <a:p>
             <a:pPr algn="just"/>
-            <a:endParaRPr lang="en-IN" dirty="0" smtClean="0">
+            <a:endParaRPr lang="en-IN" dirty="0">
               <a:latin typeface="Garamond" panose="02020404030301010803" pitchFamily="18" charset="0"/>
             </a:endParaRPr>
           </a:p>
@@ -4434,9 +4319,6 @@
               </a:rPr>
               <a:t>.</a:t>
             </a:r>
-            <a:endParaRPr lang="en-IN" dirty="0" smtClean="0">
-              <a:latin typeface="Garamond" panose="02020404030301010803" pitchFamily="18" charset="0"/>
-            </a:endParaRPr>
           </a:p>
           <a:p>
             <a:pPr algn="just"/>
@@ -4503,13 +4385,6 @@
   <p:clrMapOvr>
     <a:masterClrMapping/>
   </p:clrMapOvr>
-  <p:timing>
-    <p:tnLst>
-      <p:par>
-        <p:cTn id="1" dur="indefinite" restart="never" nodeType="tmRoot"/>
-      </p:par>
-    </p:tnLst>
-  </p:timing>
 </p:sld>
 </file>
 
@@ -4549,121 +4424,64 @@
               <a:rPr lang="en-IN" dirty="0">
                 <a:latin typeface="Garamond" panose="02020404030301010803" pitchFamily="18" charset="0"/>
               </a:rPr>
-              <a:t>Hierarchical Agglomerative </a:t>
-            </a:r>
-            <a:r>
-              <a:rPr lang="en-IN" dirty="0" smtClean="0">
-                <a:latin typeface="Garamond" panose="02020404030301010803" pitchFamily="18" charset="0"/>
-              </a:rPr>
-              <a:t>Clustering</a:t>
-            </a:r>
+              <a:t>Hierarchical Agglomerative Clustering</a:t>
+            </a:r>
+          </a:p>
+        </p:txBody>
+      </p:sp>
+      <p:sp>
+        <p:nvSpPr>
+          <p:cNvPr id="3" name="Content Placeholder 2"/>
+          <p:cNvSpPr>
+            <a:spLocks noGrp="1"/>
+          </p:cNvSpPr>
+          <p:nvPr>
+            <p:ph idx="1"/>
+          </p:nvPr>
+        </p:nvSpPr>
+        <p:spPr/>
+        <p:txBody>
+          <a:bodyPr/>
+          <a:lstStyle/>
+          <a:p>
+            <a:pPr algn="just"/>
+            <a:r>
+              <a:rPr lang="en-IN" dirty="0">
+                <a:latin typeface="Garamond" panose="02020404030301010803" pitchFamily="18" charset="0"/>
+              </a:rPr>
+              <a:t>This type of clustering works by grouping data objects into a hierarchy or “tree” of clusters.</a:t>
+            </a:r>
+          </a:p>
+          <a:p>
+            <a:pPr algn="just"/>
+            <a:r>
+              <a:rPr lang="en-IN" dirty="0">
+                <a:latin typeface="Garamond" panose="02020404030301010803" pitchFamily="18" charset="0"/>
+              </a:rPr>
+              <a:t>Representing data objects in the form of a hierarchy is useful for data summarization and visualization.</a:t>
+            </a:r>
+          </a:p>
+          <a:p>
+            <a:pPr algn="just"/>
+            <a:r>
+              <a:rPr lang="en-IN" dirty="0">
+                <a:latin typeface="Garamond" panose="02020404030301010803" pitchFamily="18" charset="0"/>
+              </a:rPr>
+              <a:t>E.g. handwritten character recognition</a:t>
+            </a:r>
+          </a:p>
+          <a:p>
+            <a:pPr algn="just"/>
+            <a:r>
+              <a:rPr lang="en-IN" dirty="0">
+                <a:latin typeface="Garamond" panose="02020404030301010803" pitchFamily="18" charset="0"/>
+              </a:rPr>
+              <a:t>hierarchical partitioning can be continued recursively until a desired granularity is reached.</a:t>
+            </a:r>
+          </a:p>
+          <a:p>
+            <a:pPr algn="just"/>
             <a:endParaRPr lang="en-IN" dirty="0">
-              <a:latin typeface="Garamond" panose="02020404030301010803" pitchFamily="18" charset="0"/>
-            </a:endParaRPr>
-          </a:p>
-        </p:txBody>
-      </p:sp>
-      <p:sp>
-        <p:nvSpPr>
-          <p:cNvPr id="3" name="Content Placeholder 2"/>
-          <p:cNvSpPr>
-            <a:spLocks noGrp="1"/>
-          </p:cNvSpPr>
-          <p:nvPr>
-            <p:ph idx="1"/>
-          </p:nvPr>
-        </p:nvSpPr>
-        <p:spPr/>
-        <p:txBody>
-          <a:bodyPr/>
-          <a:lstStyle/>
-          <a:p>
-            <a:pPr algn="just"/>
-            <a:r>
-              <a:rPr lang="en-IN" dirty="0" smtClean="0">
-                <a:latin typeface="Garamond" panose="02020404030301010803" pitchFamily="18" charset="0"/>
-              </a:rPr>
-              <a:t>This type of clustering works </a:t>
-            </a:r>
-            <a:r>
-              <a:rPr lang="en-IN" dirty="0">
-                <a:latin typeface="Garamond" panose="02020404030301010803" pitchFamily="18" charset="0"/>
-              </a:rPr>
-              <a:t>by grouping data objects into a hierarchy or “tree” of clusters</a:t>
-            </a:r>
-            <a:r>
-              <a:rPr lang="en-IN" dirty="0" smtClean="0">
-                <a:latin typeface="Garamond" panose="02020404030301010803" pitchFamily="18" charset="0"/>
-              </a:rPr>
-              <a:t>.</a:t>
-            </a:r>
-          </a:p>
-          <a:p>
-            <a:pPr algn="just"/>
-            <a:r>
-              <a:rPr lang="en-IN" dirty="0">
-                <a:latin typeface="Garamond" panose="02020404030301010803" pitchFamily="18" charset="0"/>
-              </a:rPr>
-              <a:t>Representing data objects in the form of a hierarchy is useful for data </a:t>
-            </a:r>
-            <a:r>
-              <a:rPr lang="en-IN" dirty="0" smtClean="0">
-                <a:latin typeface="Garamond" panose="02020404030301010803" pitchFamily="18" charset="0"/>
-              </a:rPr>
-              <a:t>summarization and </a:t>
-            </a:r>
-            <a:r>
-              <a:rPr lang="en-IN" dirty="0">
-                <a:latin typeface="Garamond" panose="02020404030301010803" pitchFamily="18" charset="0"/>
-              </a:rPr>
-              <a:t>visualization</a:t>
-            </a:r>
-            <a:r>
-              <a:rPr lang="en-IN" dirty="0" smtClean="0">
-                <a:latin typeface="Garamond" panose="02020404030301010803" pitchFamily="18" charset="0"/>
-              </a:rPr>
-              <a:t>.</a:t>
-            </a:r>
-          </a:p>
-          <a:p>
-            <a:pPr algn="just"/>
-            <a:r>
-              <a:rPr lang="en-IN" dirty="0" smtClean="0">
-                <a:latin typeface="Garamond" panose="02020404030301010803" pitchFamily="18" charset="0"/>
-              </a:rPr>
-              <a:t>E.g. </a:t>
-            </a:r>
-            <a:r>
-              <a:rPr lang="en-IN" dirty="0">
-                <a:latin typeface="Garamond" panose="02020404030301010803" pitchFamily="18" charset="0"/>
-              </a:rPr>
-              <a:t>handwritten character </a:t>
-            </a:r>
-            <a:r>
-              <a:rPr lang="en-IN" dirty="0" smtClean="0">
-                <a:latin typeface="Garamond" panose="02020404030301010803" pitchFamily="18" charset="0"/>
-              </a:rPr>
-              <a:t>recognition</a:t>
-            </a:r>
-          </a:p>
-          <a:p>
-            <a:pPr algn="just"/>
-            <a:r>
-              <a:rPr lang="en-IN" dirty="0">
-                <a:latin typeface="Garamond" panose="02020404030301010803" pitchFamily="18" charset="0"/>
-              </a:rPr>
-              <a:t>hierarchical partitioning can be continued recursively until a desired granularity </a:t>
-            </a:r>
-            <a:r>
-              <a:rPr lang="en-IN" dirty="0" smtClean="0">
-                <a:latin typeface="Garamond" panose="02020404030301010803" pitchFamily="18" charset="0"/>
-              </a:rPr>
-              <a:t>is reached.</a:t>
-            </a:r>
-          </a:p>
-          <a:p>
-            <a:pPr algn="just"/>
-            <a:endParaRPr lang="en-IN" dirty="0" smtClean="0">
               <a:latin typeface="Garamond" panose="02020404030301010803" pitchFamily="18" charset="0"/>
             </a:endParaRPr>
           </a:p>
@@ -4685,13 +4503,6 @@
   <p:clrMapOvr>
     <a:masterClrMapping/>
   </p:clrMapOvr>
-  <p:timing>
-    <p:tnLst>
-      <p:par>
-        <p:cTn id="1" dur="indefinite" restart="never" nodeType="tmRoot"/>
-      </p:par>
-    </p:tnLst>
-  </p:timing>
 </p:sld>
 </file>
 
@@ -4761,16 +4572,10 @@
               <a:t>An </a:t>
             </a:r>
             <a:r>
-              <a:rPr lang="en-IN" b="1" dirty="0" smtClean="0">
-                <a:latin typeface="Garamond" panose="02020404030301010803" pitchFamily="18" charset="0"/>
-              </a:rPr>
-              <a:t>hierarchical agglomerative </a:t>
-            </a:r>
-            <a:r>
               <a:rPr lang="en-IN" b="1" dirty="0">
                 <a:latin typeface="Garamond" panose="02020404030301010803" pitchFamily="18" charset="0"/>
               </a:rPr>
-              <a:t>approach </a:t>
+              <a:t>hierarchical agglomerative approach </a:t>
             </a:r>
             <a:r>
               <a:rPr lang="en-IN" dirty="0">
@@ -4778,47 +4583,14 @@
               </a:rPr>
               <a:t>uses a bottom-up strategy. </a:t>
             </a:r>
-            <a:endParaRPr lang="en-IN" dirty="0" smtClean="0">
-              <a:latin typeface="Garamond" panose="02020404030301010803" pitchFamily="18" charset="0"/>
-            </a:endParaRPr>
           </a:p>
           <a:p>
             <a:pPr algn="just"/>
             <a:r>
-              <a:rPr lang="en-IN" dirty="0" smtClean="0">
-                <a:latin typeface="Garamond" panose="02020404030301010803" pitchFamily="18" charset="0"/>
-              </a:rPr>
-              <a:t>It typically  starts </a:t>
-            </a:r>
-            <a:r>
-              <a:rPr lang="en-IN" dirty="0">
-                <a:latin typeface="Garamond" panose="02020404030301010803" pitchFamily="18" charset="0"/>
-              </a:rPr>
-              <a:t>by letting each object form its own cluster and iteratively merges </a:t>
-            </a:r>
-            <a:r>
-              <a:rPr lang="en-IN" dirty="0" smtClean="0">
-                <a:latin typeface="Garamond" panose="02020404030301010803" pitchFamily="18" charset="0"/>
-              </a:rPr>
-              <a:t>clusters into </a:t>
-            </a:r>
-            <a:r>
-              <a:rPr lang="en-IN" dirty="0">
-                <a:latin typeface="Garamond" panose="02020404030301010803" pitchFamily="18" charset="0"/>
-              </a:rPr>
-              <a:t>larger and larger clusters, until all the objects are in a single cluster or certain </a:t>
-            </a:r>
-            <a:r>
-              <a:rPr lang="en-IN" dirty="0" smtClean="0">
-                <a:latin typeface="Garamond" panose="02020404030301010803" pitchFamily="18" charset="0"/>
-              </a:rPr>
-              <a:t>termination conditions </a:t>
-            </a:r>
-            <a:r>
-              <a:rPr lang="en-IN" dirty="0">
-                <a:latin typeface="Garamond" panose="02020404030301010803" pitchFamily="18" charset="0"/>
-              </a:rPr>
-              <a:t>are satisfied.</a:t>
+              <a:rPr lang="en-IN" dirty="0">
+                <a:latin typeface="Garamond" panose="02020404030301010803" pitchFamily="18" charset="0"/>
+              </a:rPr>
+              <a:t>It typically  starts by letting each object form its own cluster and iteratively merges clusters into larger and larger clusters, until all the objects are in a single cluster or certain termination conditions are satisfied.</a:t>
             </a:r>
           </a:p>
         </p:txBody>
@@ -4881,13 +4653,6 @@
   <p:clrMapOvr>
     <a:masterClrMapping/>
   </p:clrMapOvr>
-  <p:timing>
-    <p:tnLst>
-      <p:par>
-        <p:cTn id="1" dur="indefinite" restart="never" nodeType="tmRoot"/>
-      </p:par>
-    </p:tnLst>
-  </p:timing>
 </p:sld>
 </file>
 
@@ -4924,10 +4689,9 @@
           <a:lstStyle/>
           <a:p>
             <a:r>
-              <a:rPr lang="en-IN" dirty="0" smtClean="0"/>
+              <a:rPr lang="en-IN" dirty="0"/>
               <a:t>Outline</a:t>
             </a:r>
-            <a:endParaRPr lang="en-IN" dirty="0"/>
           </a:p>
         </p:txBody>
       </p:sp>
@@ -4947,40 +4711,27 @@
           <a:lstStyle/>
           <a:p>
             <a:r>
-              <a:rPr lang="en-IN" dirty="0" smtClean="0"/>
-              <a:t>Introduction </a:t>
-            </a:r>
-            <a:r>
               <a:rPr lang="en-IN" dirty="0"/>
-              <a:t>to clustering</a:t>
-            </a:r>
-          </a:p>
-          <a:p>
-            <a:r>
-              <a:rPr lang="en-IN" dirty="0" smtClean="0"/>
+              <a:t>Introduction to clustering</a:t>
+            </a:r>
+          </a:p>
+          <a:p>
+            <a:r>
+              <a:rPr lang="en-IN" dirty="0"/>
               <a:t>K-means</a:t>
             </a:r>
           </a:p>
           <a:p>
             <a:r>
-              <a:rPr lang="en-IN" dirty="0" smtClean="0"/>
-              <a:t>Examples related to </a:t>
-            </a:r>
-            <a:r>
               <a:rPr lang="en-IN" dirty="0"/>
-              <a:t>K</a:t>
-            </a:r>
-            <a:r>
-              <a:rPr lang="en-IN" dirty="0" smtClean="0"/>
-              <a:t>-means clustering</a:t>
-            </a:r>
-          </a:p>
-          <a:p>
-            <a:r>
-              <a:rPr lang="en-IN" dirty="0" smtClean="0"/>
+              <a:t>Examples related to K-means clustering</a:t>
+            </a:r>
+          </a:p>
+          <a:p>
+            <a:r>
+              <a:rPr lang="en-IN" dirty="0"/>
               <a:t>Clustering Analysis</a:t>
             </a:r>
-            <a:endParaRPr lang="en-IN" dirty="0"/>
           </a:p>
         </p:txBody>
       </p:sp>
@@ -4994,13 +4745,6 @@
   <p:clrMapOvr>
     <a:masterClrMapping/>
   </p:clrMapOvr>
-  <p:timing>
-    <p:tnLst>
-      <p:par>
-        <p:cTn id="1" dur="indefinite" restart="never" nodeType="tmRoot"/>
-      </p:par>
-    </p:tnLst>
-  </p:timing>
 </p:sld>
 </file>
 
@@ -5037,7 +4781,7 @@
           <a:lstStyle/>
           <a:p>
             <a:r>
-              <a:rPr lang="en-IN" dirty="0" err="1" smtClean="0">
+              <a:rPr lang="en-IN" dirty="0" err="1">
                 <a:latin typeface="Garamond" panose="02020404030301010803" pitchFamily="18" charset="0"/>
               </a:rPr>
               <a:t>Dendrogram</a:t>
@@ -5064,39 +4808,18 @@
           <a:lstStyle/>
           <a:p>
             <a:r>
-              <a:rPr lang="en-IN" dirty="0" smtClean="0">
-                <a:latin typeface="Garamond" panose="02020404030301010803" pitchFamily="18" charset="0"/>
-              </a:rPr>
-              <a:t>A </a:t>
-            </a:r>
-            <a:r>
-              <a:rPr lang="en-IN" dirty="0">
-                <a:latin typeface="Garamond" panose="02020404030301010803" pitchFamily="18" charset="0"/>
-              </a:rPr>
-              <a:t>tree that shows how clusters are merged/split </a:t>
-            </a:r>
-            <a:r>
-              <a:rPr lang="en-IN" dirty="0" smtClean="0">
-                <a:latin typeface="Garamond" panose="02020404030301010803" pitchFamily="18" charset="0"/>
-              </a:rPr>
-              <a:t>hierarchically. </a:t>
-            </a:r>
-            <a:endParaRPr lang="en-IN" dirty="0">
-              <a:latin typeface="Garamond" panose="02020404030301010803" pitchFamily="18" charset="0"/>
-            </a:endParaRPr>
-          </a:p>
-          <a:p>
-            <a:r>
-              <a:rPr lang="en-IN" dirty="0" smtClean="0">
-                <a:latin typeface="Garamond" panose="02020404030301010803" pitchFamily="18" charset="0"/>
-              </a:rPr>
-              <a:t>Each </a:t>
-            </a:r>
-            <a:r>
-              <a:rPr lang="en-IN" dirty="0">
-                <a:latin typeface="Garamond" panose="02020404030301010803" pitchFamily="18" charset="0"/>
-              </a:rPr>
-              <a:t>node on the tree is a cluster; each leaf node is a singleton cluster </a:t>
+              <a:rPr lang="en-IN" dirty="0">
+                <a:latin typeface="Garamond" panose="02020404030301010803" pitchFamily="18" charset="0"/>
+              </a:rPr>
+              <a:t>A tree that shows how clusters are merged/split hierarchically. </a:t>
+            </a:r>
+          </a:p>
+          <a:p>
+            <a:r>
+              <a:rPr lang="en-IN" dirty="0">
+                <a:latin typeface="Garamond" panose="02020404030301010803" pitchFamily="18" charset="0"/>
+              </a:rPr>
+              <a:t>Each node on the tree is a cluster; each leaf node is a singleton cluster </a:t>
             </a:r>
           </a:p>
           <a:p>
@@ -5140,13 +4863,6 @@
   <p:clrMapOvr>
     <a:masterClrMapping/>
   </p:clrMapOvr>
-  <p:timing>
-    <p:tnLst>
-      <p:par>
-        <p:cTn id="1" dur="indefinite" restart="never" nodeType="tmRoot"/>
-      </p:par>
-    </p:tnLst>
-  </p:timing>
 </p:sld>
 </file>
 
@@ -5183,7 +4899,7 @@
           <a:lstStyle/>
           <a:p>
             <a:r>
-              <a:rPr lang="en-IN" dirty="0" err="1" smtClean="0">
+              <a:rPr lang="en-IN" dirty="0" err="1">
                 <a:latin typeface="Garamond" panose="02020404030301010803" pitchFamily="18" charset="0"/>
               </a:rPr>
               <a:t>Dendrogram</a:t>
@@ -5211,16 +4927,10 @@
           <a:p>
             <a:pPr algn="just"/>
             <a:r>
-              <a:rPr lang="en-IN" dirty="0" smtClean="0">
-                <a:latin typeface="Garamond" panose="02020404030301010803" pitchFamily="18" charset="0"/>
-              </a:rPr>
-              <a:t>A </a:t>
-            </a:r>
-            <a:r>
-              <a:rPr lang="en-IN" dirty="0">
-                <a:latin typeface="Garamond" panose="02020404030301010803" pitchFamily="18" charset="0"/>
-              </a:rPr>
-              <a:t>clustering of the data objects is obtained by cutting the </a:t>
+              <a:rPr lang="en-IN" dirty="0">
+                <a:latin typeface="Garamond" panose="02020404030301010803" pitchFamily="18" charset="0"/>
+              </a:rPr>
+              <a:t>A clustering of the data objects is obtained by cutting the </a:t>
             </a:r>
             <a:r>
               <a:rPr lang="en-IN" i="1" dirty="0" err="1">
@@ -5282,13 +4992,6 @@
   <p:clrMapOvr>
     <a:masterClrMapping/>
   </p:clrMapOvr>
-  <p:timing>
-    <p:tnLst>
-      <p:par>
-        <p:cTn id="1" dur="indefinite" restart="never" nodeType="tmRoot"/>
-      </p:par>
-    </p:tnLst>
-  </p:timing>
 </p:sld>
 </file>
 
@@ -5325,16 +5028,10 @@
           <a:lstStyle/>
           <a:p>
             <a:r>
-              <a:rPr lang="en-IN" dirty="0" smtClean="0">
-                <a:latin typeface="Garamond" panose="02020404030301010803" pitchFamily="18" charset="0"/>
-              </a:rPr>
-              <a:t>Agglomerative Clusterin</a:t>
-            </a:r>
-            <a:r>
-              <a:rPr lang="en-IN" dirty="0">
-                <a:latin typeface="Garamond" panose="02020404030301010803" pitchFamily="18" charset="0"/>
-              </a:rPr>
-              <a:t>g</a:t>
+              <a:rPr lang="en-IN" dirty="0">
+                <a:latin typeface="Garamond" panose="02020404030301010803" pitchFamily="18" charset="0"/>
+              </a:rPr>
+              <a:t>Agglomerative Clustering</a:t>
             </a:r>
           </a:p>
         </p:txBody>
@@ -5357,16 +5054,10 @@
           <a:lstStyle/>
           <a:p>
             <a:r>
-              <a:rPr lang="en-IN" dirty="0" smtClean="0">
-                <a:latin typeface="Garamond" panose="02020404030301010803" pitchFamily="18" charset="0"/>
-              </a:rPr>
-              <a:t>Basic </a:t>
-            </a:r>
-            <a:r>
-              <a:rPr lang="en-IN" dirty="0">
-                <a:latin typeface="Garamond" panose="02020404030301010803" pitchFamily="18" charset="0"/>
-              </a:rPr>
-              <a:t>algorithm is straightforward </a:t>
+              <a:rPr lang="en-IN" dirty="0">
+                <a:latin typeface="Garamond" panose="02020404030301010803" pitchFamily="18" charset="0"/>
+              </a:rPr>
+              <a:t>Basic algorithm is straightforward </a:t>
             </a:r>
           </a:p>
           <a:p>
@@ -5375,22 +5066,10 @@
               <a:buAutoNum type="arabicPeriod"/>
             </a:pPr>
             <a:r>
-              <a:rPr lang="en-IN" dirty="0" smtClean="0">
-                <a:latin typeface="Garamond" panose="02020404030301010803" pitchFamily="18" charset="0"/>
-              </a:rPr>
-              <a:t>Compute </a:t>
-            </a:r>
-            <a:r>
-              <a:rPr lang="en-IN" dirty="0">
-                <a:latin typeface="Garamond" panose="02020404030301010803" pitchFamily="18" charset="0"/>
-              </a:rPr>
-              <a:t>the distance </a:t>
-            </a:r>
-            <a:r>
-              <a:rPr lang="en-IN" dirty="0" smtClean="0">
-                <a:latin typeface="Garamond" panose="02020404030301010803" pitchFamily="18" charset="0"/>
-              </a:rPr>
-              <a:t>matrix. </a:t>
+              <a:rPr lang="en-IN" dirty="0">
+                <a:latin typeface="Garamond" panose="02020404030301010803" pitchFamily="18" charset="0"/>
+              </a:rPr>
+              <a:t>Compute the distance matrix. </a:t>
             </a:r>
           </a:p>
           <a:p>
@@ -5399,22 +5078,10 @@
               <a:buAutoNum type="arabicPeriod"/>
             </a:pPr>
             <a:r>
-              <a:rPr lang="en-IN" dirty="0" smtClean="0">
-                <a:latin typeface="Garamond" panose="02020404030301010803" pitchFamily="18" charset="0"/>
-              </a:rPr>
-              <a:t>Let </a:t>
-            </a:r>
-            <a:r>
-              <a:rPr lang="en-IN" dirty="0">
-                <a:latin typeface="Garamond" panose="02020404030301010803" pitchFamily="18" charset="0"/>
-              </a:rPr>
-              <a:t>each data point be a </a:t>
-            </a:r>
-            <a:r>
-              <a:rPr lang="en-IN" dirty="0" smtClean="0">
-                <a:latin typeface="Garamond" panose="02020404030301010803" pitchFamily="18" charset="0"/>
-              </a:rPr>
-              <a:t>cluster.</a:t>
+              <a:rPr lang="en-IN" dirty="0">
+                <a:latin typeface="Garamond" panose="02020404030301010803" pitchFamily="18" charset="0"/>
+              </a:rPr>
+              <a:t>Let each data point be a cluster.</a:t>
             </a:r>
           </a:p>
           <a:p>
@@ -5423,7 +5090,7 @@
               <a:buAutoNum type="arabicPeriod"/>
             </a:pPr>
             <a:r>
-              <a:rPr lang="en-IN" b="1" dirty="0" smtClean="0">
+              <a:rPr lang="en-IN" b="1" dirty="0">
                 <a:latin typeface="Garamond" panose="02020404030301010803" pitchFamily="18" charset="0"/>
               </a:rPr>
               <a:t>Repeat </a:t>
@@ -5438,20 +5105,11 @@
               <a:buAutoNum type="arabicPeriod"/>
             </a:pPr>
             <a:r>
-              <a:rPr lang="en-IN" dirty="0" smtClean="0">
-                <a:latin typeface="Garamond" panose="02020404030301010803" pitchFamily="18" charset="0"/>
-              </a:rPr>
-              <a:t>Merge </a:t>
-            </a:r>
-            <a:r>
-              <a:rPr lang="en-IN" dirty="0">
-                <a:latin typeface="Garamond" panose="02020404030301010803" pitchFamily="18" charset="0"/>
-              </a:rPr>
-              <a:t>the two closest clusters </a:t>
-            </a:r>
-            <a:endParaRPr lang="en-IN" dirty="0" smtClean="0">
-              <a:latin typeface="Garamond" panose="02020404030301010803" pitchFamily="18" charset="0"/>
-            </a:endParaRPr>
+              <a:rPr lang="en-IN" dirty="0">
+                <a:latin typeface="Garamond" panose="02020404030301010803" pitchFamily="18" charset="0"/>
+              </a:rPr>
+              <a:t>Merge the two closest clusters </a:t>
+            </a:r>
           </a:p>
           <a:p>
             <a:pPr marL="1371600" lvl="2" indent="-457200">
@@ -5459,20 +5117,11 @@
               <a:buAutoNum type="arabicPeriod"/>
             </a:pPr>
             <a:r>
-              <a:rPr lang="en-IN" dirty="0" smtClean="0">
-                <a:latin typeface="Garamond" panose="02020404030301010803" pitchFamily="18" charset="0"/>
-              </a:rPr>
-              <a:t>Update </a:t>
-            </a:r>
-            <a:r>
-              <a:rPr lang="en-IN" dirty="0">
-                <a:latin typeface="Garamond" panose="02020404030301010803" pitchFamily="18" charset="0"/>
-              </a:rPr>
-              <a:t>the distance matrix </a:t>
-            </a:r>
-            <a:endParaRPr lang="en-IN" dirty="0" smtClean="0">
-              <a:latin typeface="Garamond" panose="02020404030301010803" pitchFamily="18" charset="0"/>
-            </a:endParaRPr>
+              <a:rPr lang="en-IN" dirty="0">
+                <a:latin typeface="Garamond" panose="02020404030301010803" pitchFamily="18" charset="0"/>
+              </a:rPr>
+              <a:t>Update the distance matrix </a:t>
+            </a:r>
           </a:p>
           <a:p>
             <a:pPr marL="914400" lvl="1" indent="-457200">
@@ -5480,13 +5129,13 @@
               <a:buAutoNum type="arabicPeriod"/>
             </a:pPr>
             <a:r>
-              <a:rPr lang="en-IN" dirty="0" smtClean="0">
+              <a:rPr lang="en-IN" dirty="0">
                 <a:latin typeface="Garamond" panose="02020404030301010803" pitchFamily="18" charset="0"/>
               </a:rPr>
               <a:t>Until</a:t>
             </a:r>
             <a:r>
-              <a:rPr lang="en-IN" b="1" dirty="0" smtClean="0">
+              <a:rPr lang="en-IN" b="1" dirty="0">
                 <a:latin typeface="Garamond" panose="02020404030301010803" pitchFamily="18" charset="0"/>
               </a:rPr>
               <a:t> </a:t>
@@ -5510,13 +5159,6 @@
   <p:clrMapOvr>
     <a:masterClrMapping/>
   </p:clrMapOvr>
-  <p:timing>
-    <p:tnLst>
-      <p:par>
-        <p:cTn id="1" dur="indefinite" restart="never" nodeType="tmRoot"/>
-      </p:par>
-    </p:tnLst>
-  </p:timing>
 </p:sld>
 </file>
 
@@ -5574,7 +5216,7 @@
           <a:lstStyle/>
           <a:p>
             <a:r>
-              <a:rPr lang="en-IN" dirty="0" smtClean="0">
+              <a:rPr lang="en-IN" dirty="0">
                 <a:latin typeface="Garamond" panose="02020404030301010803" pitchFamily="18" charset="0"/>
               </a:rPr>
               <a:t>Simple Example</a:t>
@@ -5650,13 +5292,6 @@
   <p:clrMapOvr>
     <a:masterClrMapping/>
   </p:clrMapOvr>
-  <p:timing>
-    <p:tnLst>
-      <p:par>
-        <p:cTn id="1" dur="indefinite" restart="never" nodeType="tmRoot"/>
-      </p:par>
-    </p:tnLst>
-  </p:timing>
 </p:sld>
 </file>
 
@@ -5693,14 +5328,11 @@
           <a:lstStyle/>
           <a:p>
             <a:r>
-              <a:rPr lang="en-IN" dirty="0" smtClean="0">
+              <a:rPr lang="en-IN" dirty="0">
                 <a:latin typeface="Garamond" panose="02020404030301010803" pitchFamily="18" charset="0"/>
               </a:rPr>
               <a:t>Distance Measures</a:t>
             </a:r>
-            <a:endParaRPr lang="en-IN" dirty="0">
-              <a:latin typeface="Garamond" panose="02020404030301010803" pitchFamily="18" charset="0"/>
-            </a:endParaRPr>
           </a:p>
         </p:txBody>
       </p:sp>
@@ -5721,7 +5353,7 @@
           </a:bodyPr>
           <a:lstStyle/>
           <a:p>
-            <a:endParaRPr lang="en-IN" dirty="0" smtClean="0">
+            <a:endParaRPr lang="en-IN" dirty="0">
               <a:latin typeface="Garamond" panose="02020404030301010803" pitchFamily="18" charset="0"/>
             </a:endParaRPr>
           </a:p>
@@ -5838,13 +5470,6 @@
   <p:clrMapOvr>
     <a:masterClrMapping/>
   </p:clrMapOvr>
-  <p:timing>
-    <p:tnLst>
-      <p:par>
-        <p:cTn id="1" dur="indefinite" restart="never" nodeType="tmRoot"/>
-      </p:par>
-    </p:tnLst>
-  </p:timing>
 </p:sld>
 </file>
 
@@ -5881,14 +5506,11 @@
           <a:lstStyle/>
           <a:p>
             <a:r>
-              <a:rPr lang="en-IN" dirty="0" smtClean="0">
+              <a:rPr lang="en-IN" dirty="0">
                 <a:latin typeface="Garamond" panose="02020404030301010803" pitchFamily="18" charset="0"/>
               </a:rPr>
               <a:t>Example</a:t>
             </a:r>
-            <a:endParaRPr lang="en-IN" dirty="0">
-              <a:latin typeface="Garamond" panose="02020404030301010803" pitchFamily="18" charset="0"/>
-            </a:endParaRPr>
           </a:p>
         </p:txBody>
       </p:sp>
@@ -5908,7 +5530,7 @@
           <a:lstStyle/>
           <a:p>
             <a:r>
-              <a:rPr lang="en-IN" dirty="0" smtClean="0">
+              <a:rPr lang="en-IN" dirty="0">
                 <a:latin typeface="Garamond" panose="02020404030301010803" pitchFamily="18" charset="0"/>
               </a:rPr>
               <a:t>Use Min distance to construct agglomerative clustering for the following.</a:t>
@@ -5960,13 +5582,6 @@
   <p:clrMapOvr>
     <a:masterClrMapping/>
   </p:clrMapOvr>
-  <p:timing>
-    <p:tnLst>
-      <p:par>
-        <p:cTn id="1" dur="indefinite" restart="never" nodeType="tmRoot"/>
-      </p:par>
-    </p:tnLst>
-  </p:timing>
 </p:sld>
 </file>
 
@@ -6111,13 +5726,6 @@
   <p:clrMapOvr>
     <a:masterClrMapping/>
   </p:clrMapOvr>
-  <p:timing>
-    <p:tnLst>
-      <p:par>
-        <p:cTn id="1" dur="indefinite" restart="never" nodeType="tmRoot"/>
-      </p:par>
-    </p:tnLst>
-  </p:timing>
 </p:sld>
 </file>
 
@@ -6154,14 +5762,11 @@
           <a:lstStyle/>
           <a:p>
             <a:r>
-              <a:rPr lang="en-IN" dirty="0" smtClean="0">
+              <a:rPr lang="en-IN" dirty="0">
                 <a:latin typeface="Garamond" panose="02020404030301010803" pitchFamily="18" charset="0"/>
               </a:rPr>
               <a:t>Hierarchical Clustering Summary</a:t>
             </a:r>
-            <a:endParaRPr lang="en-IN" dirty="0">
-              <a:latin typeface="Garamond" panose="02020404030301010803" pitchFamily="18" charset="0"/>
-            </a:endParaRPr>
           </a:p>
         </p:txBody>
       </p:sp>
@@ -6189,22 +5794,10 @@
           </a:p>
           <a:p>
             <a:r>
-              <a:rPr lang="en-IN" dirty="0" smtClean="0">
-                <a:latin typeface="Garamond" panose="02020404030301010803" pitchFamily="18" charset="0"/>
-              </a:rPr>
-              <a:t>Different </a:t>
-            </a:r>
-            <a:r>
-              <a:rPr lang="en-IN" dirty="0">
-                <a:latin typeface="Garamond" panose="02020404030301010803" pitchFamily="18" charset="0"/>
-              </a:rPr>
-              <a:t>decisions about group similarities can lead to </a:t>
-            </a:r>
-            <a:r>
-              <a:rPr lang="en-IN" dirty="0" smtClean="0">
-                <a:latin typeface="Garamond" panose="02020404030301010803" pitchFamily="18" charset="0"/>
-              </a:rPr>
-              <a:t>vastly different </a:t>
+              <a:rPr lang="en-IN" dirty="0">
+                <a:latin typeface="Garamond" panose="02020404030301010803" pitchFamily="18" charset="0"/>
+              </a:rPr>
+              <a:t>Different decisions about group similarities can lead to vastly different </a:t>
             </a:r>
             <a:r>
               <a:rPr lang="en-IN" dirty="0" err="1">
@@ -6224,41 +5817,8 @@
               <a:rPr lang="en-IN" dirty="0">
                 <a:latin typeface="Garamond" panose="02020404030301010803" pitchFamily="18" charset="0"/>
               </a:rPr>
-              <a:t>T</a:t>
-            </a:r>
-            <a:r>
-              <a:rPr lang="en-IN" dirty="0" smtClean="0">
-                <a:latin typeface="Garamond" panose="02020404030301010803" pitchFamily="18" charset="0"/>
-              </a:rPr>
-              <a:t>he </a:t>
-            </a:r>
-            <a:r>
-              <a:rPr lang="en-IN" dirty="0">
-                <a:latin typeface="Garamond" panose="02020404030301010803" pitchFamily="18" charset="0"/>
-              </a:rPr>
-              <a:t>algorithm imposes a hierarchical structure on the </a:t>
-            </a:r>
-            <a:r>
-              <a:rPr lang="en-IN" dirty="0" smtClean="0">
-                <a:latin typeface="Garamond" panose="02020404030301010803" pitchFamily="18" charset="0"/>
-              </a:rPr>
-              <a:t>data, even </a:t>
-            </a:r>
-            <a:r>
-              <a:rPr lang="en-IN" dirty="0">
-                <a:latin typeface="Garamond" panose="02020404030301010803" pitchFamily="18" charset="0"/>
-              </a:rPr>
-              <a:t>data for which such structure is not appropriate</a:t>
-            </a:r>
-            <a:r>
-              <a:rPr lang="en-IN" dirty="0" smtClean="0">
-                <a:latin typeface="Garamond" panose="02020404030301010803" pitchFamily="18" charset="0"/>
-              </a:rPr>
-              <a:t>.</a:t>
-            </a:r>
-            <a:endParaRPr lang="en-IN" dirty="0">
-              <a:latin typeface="Garamond" panose="02020404030301010803" pitchFamily="18" charset="0"/>
-            </a:endParaRPr>
+              <a:t>The algorithm imposes a hierarchical structure on the data, even data for which such structure is not appropriate.</a:t>
+            </a:r>
           </a:p>
         </p:txBody>
       </p:sp>
@@ -6272,13 +5832,6 @@
   <p:clrMapOvr>
     <a:masterClrMapping/>
   </p:clrMapOvr>
-  <p:timing>
-    <p:tnLst>
-      <p:par>
-        <p:cTn id="1" dur="indefinite" restart="never" nodeType="tmRoot"/>
-      </p:par>
-    </p:tnLst>
-  </p:timing>
 </p:sld>
 </file>
 
@@ -6315,14 +5868,11 @@
           <a:lstStyle/>
           <a:p>
             <a:r>
-              <a:rPr lang="en-IN" dirty="0" smtClean="0">
+              <a:rPr lang="en-IN" dirty="0">
                 <a:latin typeface="Garamond" panose="02020404030301010803" pitchFamily="18" charset="0"/>
               </a:rPr>
               <a:t>What is Clustering</a:t>
             </a:r>
-            <a:endParaRPr lang="en-IN" dirty="0">
-              <a:latin typeface="Garamond" panose="02020404030301010803" pitchFamily="18" charset="0"/>
-            </a:endParaRPr>
           </a:p>
         </p:txBody>
       </p:sp>
@@ -6343,16 +5893,10 @@
           <a:p>
             <a:pPr algn="just"/>
             <a:r>
-              <a:rPr lang="en-IN" dirty="0" smtClean="0">
-                <a:latin typeface="Garamond" panose="02020404030301010803" pitchFamily="18" charset="0"/>
-              </a:rPr>
-              <a:t>The </a:t>
-            </a:r>
-            <a:r>
-              <a:rPr lang="en-IN" dirty="0">
-                <a:latin typeface="Garamond" panose="02020404030301010803" pitchFamily="18" charset="0"/>
-              </a:rPr>
-              <a:t>organization of </a:t>
+              <a:rPr lang="en-IN" dirty="0">
+                <a:latin typeface="Garamond" panose="02020404030301010803" pitchFamily="18" charset="0"/>
+              </a:rPr>
+              <a:t>The organization of </a:t>
             </a:r>
             <a:r>
               <a:rPr lang="en-IN" dirty="0" err="1">
@@ -6370,16 +5914,10 @@
           <a:p>
             <a:pPr algn="just"/>
             <a:r>
-              <a:rPr lang="en-IN" dirty="0" smtClean="0">
-                <a:latin typeface="Garamond" panose="02020404030301010803" pitchFamily="18" charset="0"/>
-              </a:rPr>
-              <a:t>A </a:t>
-            </a:r>
-            <a:r>
-              <a:rPr lang="en-IN" dirty="0">
-                <a:latin typeface="Garamond" panose="02020404030301010803" pitchFamily="18" charset="0"/>
-              </a:rPr>
-              <a:t>cluster is a collection of data items which are “similar” between them, and “dissimilar” to data items in other clusters.</a:t>
+              <a:rPr lang="en-IN" dirty="0">
+                <a:latin typeface="Garamond" panose="02020404030301010803" pitchFamily="18" charset="0"/>
+              </a:rPr>
+              <a:t>A cluster is a collection of data items which are “similar” between them, and “dissimilar” to data items in other clusters.</a:t>
             </a:r>
           </a:p>
           <a:p>
@@ -6447,13 +5985,6 @@
   <p:clrMapOvr>
     <a:masterClrMapping/>
   </p:clrMapOvr>
-  <p:timing>
-    <p:tnLst>
-      <p:par>
-        <p:cTn id="1" dur="indefinite" restart="never" nodeType="tmRoot"/>
-      </p:par>
-    </p:tnLst>
-  </p:timing>
 </p:sld>
 </file>
 
@@ -6490,14 +6021,11 @@
           <a:lstStyle/>
           <a:p>
             <a:r>
-              <a:rPr lang="en-IN" dirty="0" smtClean="0">
+              <a:rPr lang="en-IN" dirty="0">
                 <a:latin typeface="Garamond" panose="02020404030301010803" pitchFamily="18" charset="0"/>
               </a:rPr>
               <a:t>Cluster Evaluation</a:t>
             </a:r>
-            <a:endParaRPr lang="en-IN" dirty="0">
-              <a:latin typeface="Garamond" panose="02020404030301010803" pitchFamily="18" charset="0"/>
-            </a:endParaRPr>
           </a:p>
         </p:txBody>
       </p:sp>
@@ -6518,16 +6046,10 @@
           <a:p>
             <a:pPr algn="just"/>
             <a:r>
-              <a:rPr lang="en-IN" b="1" dirty="0" smtClean="0">
-                <a:latin typeface="Garamond" panose="02020404030301010803" pitchFamily="18" charset="0"/>
-              </a:rPr>
-              <a:t>Intra-cluster </a:t>
-            </a:r>
-            <a:r>
               <a:rPr lang="en-IN" b="1" dirty="0">
                 <a:latin typeface="Garamond" panose="02020404030301010803" pitchFamily="18" charset="0"/>
               </a:rPr>
-              <a:t>cohesion</a:t>
+              <a:t>Intra-cluster cohesion</a:t>
             </a:r>
             <a:r>
               <a:rPr lang="en-IN" dirty="0">
@@ -6539,46 +6061,28 @@
           <a:p>
             <a:pPr lvl="1" algn="just"/>
             <a:r>
-              <a:rPr lang="en-IN" dirty="0" smtClean="0">
-                <a:latin typeface="Garamond" panose="02020404030301010803" pitchFamily="18" charset="0"/>
-              </a:rPr>
-              <a:t>Cohesion </a:t>
-            </a:r>
-            <a:r>
-              <a:rPr lang="en-IN" dirty="0">
-                <a:latin typeface="Garamond" panose="02020404030301010803" pitchFamily="18" charset="0"/>
-              </a:rPr>
-              <a:t>measures how near the data points in a cluster are to the cluster centroid. </a:t>
+              <a:rPr lang="en-IN" dirty="0">
+                <a:latin typeface="Garamond" panose="02020404030301010803" pitchFamily="18" charset="0"/>
+              </a:rPr>
+              <a:t>Cohesion measures how near the data points in a cluster are to the cluster centroid. </a:t>
             </a:r>
           </a:p>
           <a:p>
             <a:pPr lvl="1" algn="just"/>
             <a:r>
-              <a:rPr lang="en-IN" dirty="0" smtClean="0">
-                <a:latin typeface="Garamond" panose="02020404030301010803" pitchFamily="18" charset="0"/>
-              </a:rPr>
-              <a:t>Sum </a:t>
-            </a:r>
-            <a:r>
-              <a:rPr lang="en-IN" dirty="0">
-                <a:latin typeface="Garamond" panose="02020404030301010803" pitchFamily="18" charset="0"/>
-              </a:rPr>
-              <a:t>of squared error (SSE) is a commonly used measure. </a:t>
+              <a:rPr lang="en-IN" dirty="0">
+                <a:latin typeface="Garamond" panose="02020404030301010803" pitchFamily="18" charset="0"/>
+              </a:rPr>
+              <a:t>Sum of squared error (SSE) is a commonly used measure. </a:t>
             </a:r>
           </a:p>
           <a:p>
             <a:pPr algn="just"/>
             <a:r>
-              <a:rPr lang="en-IN" b="1" dirty="0" smtClean="0">
-                <a:latin typeface="Garamond" panose="02020404030301010803" pitchFamily="18" charset="0"/>
-              </a:rPr>
-              <a:t>Inter-cluster </a:t>
-            </a:r>
-            <a:r>
               <a:rPr lang="en-IN" b="1" dirty="0">
                 <a:latin typeface="Garamond" panose="02020404030301010803" pitchFamily="18" charset="0"/>
               </a:rPr>
-              <a:t>separation</a:t>
+              <a:t>Inter-cluster separation</a:t>
             </a:r>
             <a:r>
               <a:rPr lang="en-IN" dirty="0">
@@ -6590,16 +6094,10 @@
           <a:p>
             <a:pPr lvl="1" algn="just"/>
             <a:r>
-              <a:rPr lang="en-IN" dirty="0" smtClean="0">
-                <a:latin typeface="Garamond" panose="02020404030301010803" pitchFamily="18" charset="0"/>
-              </a:rPr>
-              <a:t>Separation </a:t>
-            </a:r>
-            <a:r>
-              <a:rPr lang="en-IN" dirty="0">
-                <a:latin typeface="Garamond" panose="02020404030301010803" pitchFamily="18" charset="0"/>
-              </a:rPr>
-              <a:t>means that different cluster centroids should be far away from one another. </a:t>
+              <a:rPr lang="en-IN" dirty="0">
+                <a:latin typeface="Garamond" panose="02020404030301010803" pitchFamily="18" charset="0"/>
+              </a:rPr>
+              <a:t>Separation means that different cluster centroids should be far away from one another. </a:t>
             </a:r>
           </a:p>
           <a:p>
@@ -6620,13 +6118,6 @@
   <p:clrMapOvr>
     <a:masterClrMapping/>
   </p:clrMapOvr>
-  <p:timing>
-    <p:tnLst>
-      <p:par>
-        <p:cTn id="1" dur="indefinite" restart="never" nodeType="tmRoot"/>
-      </p:par>
-    </p:tnLst>
-  </p:timing>
 </p:sld>
 </file>
 
@@ -6663,36 +6154,33 @@
           <a:lstStyle/>
           <a:p>
             <a:r>
-              <a:rPr lang="en-IN" dirty="0" smtClean="0">
+              <a:rPr lang="en-IN" dirty="0">
                 <a:latin typeface="Garamond" panose="02020404030301010803" pitchFamily="18" charset="0"/>
               </a:rPr>
               <a:t>K-means Clustering</a:t>
             </a:r>
+          </a:p>
+        </p:txBody>
+      </p:sp>
+      <p:sp>
+        <p:nvSpPr>
+          <p:cNvPr id="3" name="Content Placeholder 2"/>
+          <p:cNvSpPr>
+            <a:spLocks noGrp="1"/>
+          </p:cNvSpPr>
+          <p:nvPr>
+            <p:ph idx="1"/>
+          </p:nvPr>
+        </p:nvSpPr>
+        <p:spPr/>
+        <p:txBody>
+          <a:bodyPr/>
+          <a:lstStyle/>
+          <a:p>
             <a:endParaRPr lang="en-IN" dirty="0">
               <a:latin typeface="Garamond" panose="02020404030301010803" pitchFamily="18" charset="0"/>
             </a:endParaRPr>
           </a:p>
-        </p:txBody>
-      </p:sp>
-      <p:sp>
-        <p:nvSpPr>
-          <p:cNvPr id="3" name="Content Placeholder 2"/>
-          <p:cNvSpPr>
-            <a:spLocks noGrp="1"/>
-          </p:cNvSpPr>
-          <p:nvPr>
-            <p:ph idx="1"/>
-          </p:nvPr>
-        </p:nvSpPr>
-        <p:spPr/>
-        <p:txBody>
-          <a:bodyPr/>
-          <a:lstStyle/>
-          <a:p>
-            <a:endParaRPr lang="en-IN" dirty="0">
-              <a:latin typeface="Garamond" panose="02020404030301010803" pitchFamily="18" charset="0"/>
-            </a:endParaRPr>
-          </a:p>
           <a:p>
             <a:r>
               <a:rPr lang="en-IN" dirty="0">
@@ -6713,51 +6201,36 @@
               <a:t>, 1967) is a </a:t>
             </a:r>
             <a:r>
-              <a:rPr lang="en-IN" dirty="0" err="1" smtClean="0">
+              <a:rPr lang="en-IN" dirty="0" err="1">
                 <a:latin typeface="Garamond" panose="02020404030301010803" pitchFamily="18" charset="0"/>
               </a:rPr>
               <a:t>partitional</a:t>
             </a:r>
             <a:r>
-              <a:rPr lang="en-IN" dirty="0" smtClean="0">
+              <a:rPr lang="en-IN" dirty="0">
                 <a:latin typeface="Garamond" panose="02020404030301010803" pitchFamily="18" charset="0"/>
               </a:rPr>
               <a:t> clustering algorithm.</a:t>
             </a:r>
-            <a:endParaRPr lang="en-IN" dirty="0">
-              <a:latin typeface="Garamond" panose="02020404030301010803" pitchFamily="18" charset="0"/>
-            </a:endParaRPr>
-          </a:p>
-          <a:p>
-            <a:r>
-              <a:rPr lang="en-IN" dirty="0" smtClean="0">
-                <a:latin typeface="Garamond" panose="02020404030301010803" pitchFamily="18" charset="0"/>
-              </a:rPr>
-              <a:t>Let </a:t>
-            </a:r>
-            <a:r>
-              <a:rPr lang="en-IN" dirty="0">
-                <a:latin typeface="Garamond" panose="02020404030301010803" pitchFamily="18" charset="0"/>
-              </a:rPr>
-              <a:t>the set of data points </a:t>
-            </a:r>
-            <a:r>
-              <a:rPr lang="en-IN" i="1" dirty="0" smtClean="0">
+          </a:p>
+          <a:p>
+            <a:r>
+              <a:rPr lang="en-IN" dirty="0">
+                <a:latin typeface="Garamond" panose="02020404030301010803" pitchFamily="18" charset="0"/>
+              </a:rPr>
+              <a:t>Let the set of data points </a:t>
+            </a:r>
+            <a:r>
+              <a:rPr lang="en-IN" i="1" dirty="0">
                 <a:latin typeface="Garamond" panose="02020404030301010803" pitchFamily="18" charset="0"/>
               </a:rPr>
               <a:t>D </a:t>
             </a:r>
             <a:r>
-              <a:rPr lang="en-IN" dirty="0" smtClean="0">
-                <a:latin typeface="Garamond" panose="02020404030301010803" pitchFamily="18" charset="0"/>
-              </a:rPr>
-              <a:t>be </a:t>
-            </a:r>
-            <a:r>
-              <a:rPr lang="en-IN" dirty="0">
-                <a:latin typeface="Garamond" panose="02020404030301010803" pitchFamily="18" charset="0"/>
-              </a:rPr>
-              <a:t>{</a:t>
+              <a:rPr lang="en-IN" dirty="0">
+                <a:latin typeface="Garamond" panose="02020404030301010803" pitchFamily="18" charset="0"/>
+              </a:rPr>
+              <a:t>be {</a:t>
             </a:r>
             <a:r>
               <a:rPr lang="en-IN" b="1" dirty="0">
@@ -6903,35 +6376,29 @@
               <a:rPr lang="en-IN" dirty="0">
                 <a:latin typeface="Garamond" panose="02020404030301010803" pitchFamily="18" charset="0"/>
               </a:rPr>
-              <a:t>) is a </a:t>
-            </a:r>
-            <a:r>
-              <a:rPr lang="en-IN" dirty="0" smtClean="0">
-                <a:latin typeface="Garamond" panose="02020404030301010803" pitchFamily="18" charset="0"/>
-              </a:rPr>
-              <a:t>vector in </a:t>
-            </a:r>
-            <a:r>
-              <a:rPr lang="en-IN" i="1" dirty="0" smtClean="0">
+              <a:t>) is a vector in </a:t>
+            </a:r>
+            <a:r>
+              <a:rPr lang="en-IN" i="1" dirty="0">
                 <a:latin typeface="Garamond" panose="02020404030301010803" pitchFamily="18" charset="0"/>
               </a:rPr>
               <a:t>X</a:t>
             </a:r>
             <a:r>
-              <a:rPr lang="en-IN" dirty="0" smtClean="0">
+              <a:rPr lang="en-IN" dirty="0">
                 <a:latin typeface="Garamond" panose="02020404030301010803" pitchFamily="18" charset="0"/>
                 <a:ea typeface="Cambria Math" panose="02040503050406030204" pitchFamily="18" charset="0"/>
               </a:rPr>
               <a:t>⊆</a:t>
             </a:r>
             <a:r>
-              <a:rPr lang="en-IN" i="1" dirty="0" smtClean="0">
+              <a:rPr lang="en-IN" i="1" dirty="0">
                 <a:latin typeface="Garamond" panose="02020404030301010803" pitchFamily="18" charset="0"/>
               </a:rPr>
               <a:t>R</a:t>
             </a:r>
             <a:r>
-              <a:rPr lang="en-IN" i="1" baseline="30000" dirty="0" smtClean="0">
+              <a:rPr lang="en-IN" i="1" baseline="30000" dirty="0">
                 <a:latin typeface="Garamond" panose="02020404030301010803" pitchFamily="18" charset="0"/>
               </a:rPr>
               <a:t>r</a:t>
@@ -6943,81 +6410,57 @@
               <a:t>, and </a:t>
             </a:r>
             <a:r>
-              <a:rPr lang="en-IN" i="1" dirty="0" smtClean="0">
+              <a:rPr lang="en-IN" i="1" dirty="0">
                 <a:latin typeface="Garamond" panose="02020404030301010803" pitchFamily="18" charset="0"/>
               </a:rPr>
               <a:t>r </a:t>
             </a:r>
             <a:r>
-              <a:rPr lang="en-IN" dirty="0" smtClean="0">
-                <a:latin typeface="Garamond" panose="02020404030301010803" pitchFamily="18" charset="0"/>
-              </a:rPr>
-              <a:t>is </a:t>
-            </a:r>
-            <a:r>
-              <a:rPr lang="en-IN" dirty="0">
-                <a:latin typeface="Garamond" panose="02020404030301010803" pitchFamily="18" charset="0"/>
-              </a:rPr>
-              <a:t>the number of dimensions. </a:t>
-            </a:r>
-          </a:p>
-          <a:p>
-            <a:r>
-              <a:rPr lang="en-IN" dirty="0" smtClean="0">
+              <a:rPr lang="en-IN" dirty="0">
+                <a:latin typeface="Garamond" panose="02020404030301010803" pitchFamily="18" charset="0"/>
+              </a:rPr>
+              <a:t>is the number of dimensions. </a:t>
+            </a:r>
+          </a:p>
+          <a:p>
+            <a:r>
+              <a:rPr lang="en-IN" dirty="0">
                 <a:latin typeface="Garamond" panose="02020404030301010803" pitchFamily="18" charset="0"/>
               </a:rPr>
               <a:t>The </a:t>
             </a:r>
             <a:r>
-              <a:rPr lang="en-IN" i="1" dirty="0" smtClean="0">
+              <a:rPr lang="en-IN" i="1" dirty="0">
                 <a:latin typeface="Garamond" panose="02020404030301010803" pitchFamily="18" charset="0"/>
               </a:rPr>
               <a:t>K</a:t>
             </a:r>
             <a:r>
-              <a:rPr lang="en-IN" dirty="0" smtClean="0">
-                <a:latin typeface="Garamond" panose="02020404030301010803" pitchFamily="18" charset="0"/>
-              </a:rPr>
-              <a:t>-means </a:t>
-            </a:r>
-            <a:r>
-              <a:rPr lang="en-IN" dirty="0">
-                <a:latin typeface="Garamond" panose="02020404030301010803" pitchFamily="18" charset="0"/>
-              </a:rPr>
-              <a:t>algorithm partitions the given data into </a:t>
-            </a:r>
-            <a:r>
-              <a:rPr lang="en-IN" i="1" dirty="0" smtClean="0">
+              <a:rPr lang="en-IN" dirty="0">
+                <a:latin typeface="Garamond" panose="02020404030301010803" pitchFamily="18" charset="0"/>
+              </a:rPr>
+              <a:t>-means algorithm partitions the given data into </a:t>
+            </a:r>
+            <a:r>
+              <a:rPr lang="en-IN" i="1" dirty="0">
                 <a:latin typeface="Garamond" panose="02020404030301010803" pitchFamily="18" charset="0"/>
               </a:rPr>
               <a:t>k </a:t>
             </a:r>
             <a:r>
-              <a:rPr lang="en-IN" dirty="0" smtClean="0">
-                <a:latin typeface="Garamond" panose="02020404030301010803" pitchFamily="18" charset="0"/>
-              </a:rPr>
-              <a:t>clusters</a:t>
-            </a:r>
-            <a:r>
-              <a:rPr lang="en-IN" dirty="0">
-                <a:latin typeface="Garamond" panose="02020404030301010803" pitchFamily="18" charset="0"/>
-              </a:rPr>
-              <a:t>:</a:t>
+              <a:rPr lang="en-IN" dirty="0">
+                <a:latin typeface="Garamond" panose="02020404030301010803" pitchFamily="18" charset="0"/>
+              </a:rPr>
+              <a:t>clusters:</a:t>
             </a:r>
           </a:p>
           <a:p>
             <a:pPr lvl="1"/>
             <a:r>
-              <a:rPr lang="en-IN" dirty="0" smtClean="0">
-                <a:latin typeface="Garamond" panose="02020404030301010803" pitchFamily="18" charset="0"/>
-              </a:rPr>
-              <a:t>Each </a:t>
-            </a:r>
-            <a:r>
-              <a:rPr lang="en-IN" dirty="0">
-                <a:latin typeface="Garamond" panose="02020404030301010803" pitchFamily="18" charset="0"/>
-              </a:rPr>
-              <a:t>cluster has a cluster </a:t>
+              <a:rPr lang="en-IN" dirty="0">
+                <a:latin typeface="Garamond" panose="02020404030301010803" pitchFamily="18" charset="0"/>
+              </a:rPr>
+              <a:t>Each cluster has a cluster </a:t>
             </a:r>
             <a:r>
               <a:rPr lang="en-IN" b="1" dirty="0" err="1">
@@ -7047,26 +6490,11 @@
           <a:p>
             <a:pPr lvl="1"/>
             <a:r>
-              <a:rPr lang="en-IN" dirty="0" smtClean="0">
-                <a:latin typeface="Garamond" panose="02020404030301010803" pitchFamily="18" charset="0"/>
-              </a:rPr>
-              <a:t>K is </a:t>
-            </a:r>
-            <a:r>
-              <a:rPr lang="en-IN" dirty="0">
-                <a:latin typeface="Garamond" panose="02020404030301010803" pitchFamily="18" charset="0"/>
-              </a:rPr>
-              <a:t>specified by the </a:t>
-            </a:r>
-            <a:r>
-              <a:rPr lang="en-IN" dirty="0" smtClean="0">
-                <a:latin typeface="Garamond" panose="02020404030301010803" pitchFamily="18" charset="0"/>
-              </a:rPr>
-              <a:t>user. </a:t>
-            </a:r>
-            <a:endParaRPr lang="en-IN" dirty="0">
-              <a:latin typeface="Garamond" panose="02020404030301010803" pitchFamily="18" charset="0"/>
-            </a:endParaRPr>
+              <a:rPr lang="en-IN" dirty="0">
+                <a:latin typeface="Garamond" panose="02020404030301010803" pitchFamily="18" charset="0"/>
+              </a:rPr>
+              <a:t>K is specified by the user. </a:t>
+            </a:r>
           </a:p>
           <a:p>
             <a:endParaRPr lang="en-IN" dirty="0">
@@ -7085,13 +6513,6 @@
   <p:clrMapOvr>
     <a:masterClrMapping/>
   </p:clrMapOvr>
-  <p:timing>
-    <p:tnLst>
-      <p:par>
-        <p:cTn id="1" dur="indefinite" restart="never" nodeType="tmRoot"/>
-      </p:par>
-    </p:tnLst>
-  </p:timing>
 </p:sld>
 </file>
 
@@ -7128,36 +6549,33 @@
           <a:lstStyle/>
           <a:p>
             <a:r>
-              <a:rPr lang="en-IN" dirty="0" smtClean="0">
+              <a:rPr lang="en-IN" dirty="0">
                 <a:latin typeface="Garamond" panose="02020404030301010803" pitchFamily="18" charset="0"/>
               </a:rPr>
               <a:t>K-means algorithm</a:t>
             </a:r>
+          </a:p>
+        </p:txBody>
+      </p:sp>
+      <p:sp>
+        <p:nvSpPr>
+          <p:cNvPr id="3" name="Content Placeholder 2"/>
+          <p:cNvSpPr>
+            <a:spLocks noGrp="1"/>
+          </p:cNvSpPr>
+          <p:nvPr>
+            <p:ph idx="1"/>
+          </p:nvPr>
+        </p:nvSpPr>
+        <p:spPr/>
+        <p:txBody>
+          <a:bodyPr/>
+          <a:lstStyle/>
+          <a:p>
             <a:endParaRPr lang="en-IN" dirty="0">
               <a:latin typeface="Garamond" panose="02020404030301010803" pitchFamily="18" charset="0"/>
             </a:endParaRPr>
           </a:p>
-        </p:txBody>
-      </p:sp>
-      <p:sp>
-        <p:nvSpPr>
-          <p:cNvPr id="3" name="Content Placeholder 2"/>
-          <p:cNvSpPr>
-            <a:spLocks noGrp="1"/>
-          </p:cNvSpPr>
-          <p:nvPr>
-            <p:ph idx="1"/>
-          </p:nvPr>
-        </p:nvSpPr>
-        <p:spPr/>
-        <p:txBody>
-          <a:bodyPr/>
-          <a:lstStyle/>
-          <a:p>
-            <a:endParaRPr lang="en-IN" dirty="0">
-              <a:latin typeface="Garamond" panose="02020404030301010803" pitchFamily="18" charset="0"/>
-            </a:endParaRPr>
-          </a:p>
           <a:p>
             <a:r>
               <a:rPr lang="en-IN" dirty="0">
@@ -7178,22 +6596,16 @@
               <a:t>, the </a:t>
             </a:r>
             <a:r>
-              <a:rPr lang="en-IN" i="1" dirty="0" smtClean="0">
+              <a:rPr lang="en-IN" i="1" dirty="0">
                 <a:latin typeface="Garamond" panose="02020404030301010803" pitchFamily="18" charset="0"/>
               </a:rPr>
               <a:t>k-means </a:t>
             </a:r>
             <a:r>
-              <a:rPr lang="en-IN" dirty="0" smtClean="0">
-                <a:latin typeface="Garamond" panose="02020404030301010803" pitchFamily="18" charset="0"/>
-              </a:rPr>
-              <a:t>algorithm </a:t>
-            </a:r>
-            <a:r>
-              <a:rPr lang="en-IN" dirty="0">
-                <a:latin typeface="Garamond" panose="02020404030301010803" pitchFamily="18" charset="0"/>
-              </a:rPr>
-              <a:t>works as follows:</a:t>
+              <a:rPr lang="en-IN" dirty="0">
+                <a:latin typeface="Garamond" panose="02020404030301010803" pitchFamily="18" charset="0"/>
+              </a:rPr>
+              <a:t>algorithm works as follows:</a:t>
             </a:r>
           </a:p>
           <a:p>
@@ -7201,7 +6613,7 @@
               <a:buAutoNum type="arabicPeriod"/>
             </a:pPr>
             <a:r>
-              <a:rPr lang="en-IN" dirty="0" smtClean="0">
+              <a:rPr lang="en-IN" dirty="0">
                 <a:latin typeface="Garamond" panose="02020404030301010803" pitchFamily="18" charset="0"/>
               </a:rPr>
               <a:t>Choose </a:t>
@@ -7219,13 +6631,13 @@
               <a:t>(random) data points (seeds) to be the initial centroids, cluster </a:t>
             </a:r>
             <a:r>
-              <a:rPr lang="en-IN" dirty="0" err="1" smtClean="0">
+              <a:rPr lang="en-IN" dirty="0" err="1">
                 <a:latin typeface="Garamond" panose="02020404030301010803" pitchFamily="18" charset="0"/>
               </a:rPr>
               <a:t>centers</a:t>
             </a:r>
             <a:r>
-              <a:rPr lang="en-IN" dirty="0" smtClean="0">
+              <a:rPr lang="en-IN" dirty="0">
                 <a:latin typeface="Garamond" panose="02020404030301010803" pitchFamily="18" charset="0"/>
               </a:rPr>
               <a:t>.</a:t>
@@ -7236,22 +6648,10 @@
               <a:buAutoNum type="arabicPeriod"/>
             </a:pPr>
             <a:r>
-              <a:rPr lang="en-IN" dirty="0" smtClean="0">
-                <a:latin typeface="Garamond" panose="02020404030301010803" pitchFamily="18" charset="0"/>
-              </a:rPr>
-              <a:t>Assign </a:t>
-            </a:r>
-            <a:r>
-              <a:rPr lang="en-IN" dirty="0">
-                <a:latin typeface="Garamond" panose="02020404030301010803" pitchFamily="18" charset="0"/>
-              </a:rPr>
-              <a:t>each data point to the closest </a:t>
-            </a:r>
-            <a:r>
-              <a:rPr lang="en-IN" dirty="0" smtClean="0">
-                <a:latin typeface="Garamond" panose="02020404030301010803" pitchFamily="18" charset="0"/>
-              </a:rPr>
-              <a:t>centroid.</a:t>
+              <a:rPr lang="en-IN" dirty="0">
+                <a:latin typeface="Garamond" panose="02020404030301010803" pitchFamily="18" charset="0"/>
+              </a:rPr>
+              <a:t>Assign each data point to the closest centroid.</a:t>
             </a:r>
           </a:p>
           <a:p>
@@ -7259,34 +6659,10 @@
               <a:buAutoNum type="arabicPeriod"/>
             </a:pPr>
             <a:r>
-              <a:rPr lang="en-IN" dirty="0" smtClean="0">
-                <a:latin typeface="Garamond" panose="02020404030301010803" pitchFamily="18" charset="0"/>
-              </a:rPr>
-              <a:t>Re-compute </a:t>
-            </a:r>
-            <a:r>
-              <a:rPr lang="en-IN" dirty="0">
-                <a:latin typeface="Garamond" panose="02020404030301010803" pitchFamily="18" charset="0"/>
-              </a:rPr>
-              <a:t>the </a:t>
-            </a:r>
-            <a:r>
-              <a:rPr lang="en-IN" dirty="0" smtClean="0">
-                <a:latin typeface="Garamond" panose="02020404030301010803" pitchFamily="18" charset="0"/>
-              </a:rPr>
-              <a:t>centroids using </a:t>
-            </a:r>
-            <a:r>
-              <a:rPr lang="en-IN" dirty="0">
-                <a:latin typeface="Garamond" panose="02020404030301010803" pitchFamily="18" charset="0"/>
-              </a:rPr>
-              <a:t>the current cluster </a:t>
-            </a:r>
-            <a:r>
-              <a:rPr lang="en-IN" dirty="0" smtClean="0">
-                <a:latin typeface="Garamond" panose="02020404030301010803" pitchFamily="18" charset="0"/>
-              </a:rPr>
-              <a:t>memberships.</a:t>
+              <a:rPr lang="en-IN" dirty="0">
+                <a:latin typeface="Garamond" panose="02020404030301010803" pitchFamily="18" charset="0"/>
+              </a:rPr>
+              <a:t>Re-compute the centroids using the current cluster memberships.</a:t>
             </a:r>
           </a:p>
           <a:p>
@@ -7294,26 +6670,11 @@
               <a:buAutoNum type="arabicPeriod"/>
             </a:pPr>
             <a:r>
-              <a:rPr lang="en-IN" dirty="0" smtClean="0">
-                <a:latin typeface="Garamond" panose="02020404030301010803" pitchFamily="18" charset="0"/>
-              </a:rPr>
-              <a:t>If </a:t>
-            </a:r>
-            <a:r>
-              <a:rPr lang="en-IN" dirty="0">
-                <a:latin typeface="Garamond" panose="02020404030301010803" pitchFamily="18" charset="0"/>
-              </a:rPr>
-              <a:t>a convergence criterion is not met, repeat steps 2 and </a:t>
-            </a:r>
-            <a:r>
-              <a:rPr lang="en-IN" dirty="0" smtClean="0">
-                <a:latin typeface="Garamond" panose="02020404030301010803" pitchFamily="18" charset="0"/>
-              </a:rPr>
-              <a:t>3.</a:t>
-            </a:r>
-            <a:endParaRPr lang="en-IN" dirty="0">
-              <a:latin typeface="Garamond" panose="02020404030301010803" pitchFamily="18" charset="0"/>
-            </a:endParaRPr>
+              <a:rPr lang="en-IN" dirty="0">
+                <a:latin typeface="Garamond" panose="02020404030301010803" pitchFamily="18" charset="0"/>
+              </a:rPr>
+              <a:t>If a convergence criterion is not met, repeat steps 2 and 3.</a:t>
+            </a:r>
           </a:p>
           <a:p>
             <a:endParaRPr lang="en-IN" dirty="0">
@@ -7332,13 +6693,6 @@
   <p:clrMapOvr>
     <a:masterClrMapping/>
   </p:clrMapOvr>
-  <p:timing>
-    <p:tnLst>
-      <p:par>
-        <p:cTn id="1" dur="indefinite" restart="never" nodeType="tmRoot"/>
-      </p:par>
-    </p:tnLst>
-  </p:timing>
 </p:sld>
 </file>
 
@@ -7375,14 +6729,11 @@
           <a:lstStyle/>
           <a:p>
             <a:r>
-              <a:rPr lang="en-IN" dirty="0" smtClean="0">
+              <a:rPr lang="en-IN" dirty="0">
                 <a:latin typeface="Garamond" panose="02020404030301010803" pitchFamily="18" charset="0"/>
               </a:rPr>
               <a:t>K-means stopping criteria</a:t>
             </a:r>
-            <a:endParaRPr lang="en-IN" dirty="0">
-              <a:latin typeface="Garamond" panose="02020404030301010803" pitchFamily="18" charset="0"/>
-            </a:endParaRPr>
           </a:p>
         </p:txBody>
       </p:sp>
@@ -7409,16 +6760,10 @@
           <a:lstStyle/>
           <a:p>
             <a:r>
-              <a:rPr lang="en-IN" dirty="0" smtClean="0">
-                <a:latin typeface="Garamond" panose="02020404030301010803" pitchFamily="18" charset="0"/>
-              </a:rPr>
-              <a:t>no </a:t>
-            </a:r>
-            <a:r>
-              <a:rPr lang="en-IN" dirty="0">
-                <a:latin typeface="Garamond" panose="02020404030301010803" pitchFamily="18" charset="0"/>
-              </a:rPr>
-              <a:t>(or minimum) re-assignments of data points to different clusters, </a:t>
+              <a:rPr lang="en-IN" dirty="0">
+                <a:latin typeface="Garamond" panose="02020404030301010803" pitchFamily="18" charset="0"/>
+              </a:rPr>
+              <a:t>no (or minimum) re-assignments of data points to different clusters, </a:t>
             </a:r>
             <a:r>
               <a:rPr lang="en-IN" i="1" dirty="0">
@@ -7432,30 +6777,18 @@
           </a:p>
           <a:p>
             <a:r>
-              <a:rPr lang="en-IN" dirty="0" smtClean="0">
-                <a:latin typeface="Garamond" panose="02020404030301010803" pitchFamily="18" charset="0"/>
-              </a:rPr>
-              <a:t>no </a:t>
-            </a:r>
-            <a:r>
-              <a:rPr lang="en-IN" dirty="0">
-                <a:latin typeface="Garamond" panose="02020404030301010803" pitchFamily="18" charset="0"/>
-              </a:rPr>
-              <a:t>(or minimum) change of centroids, or</a:t>
-            </a:r>
-          </a:p>
-          <a:p>
-            <a:r>
-              <a:rPr lang="en-IN" dirty="0" smtClean="0">
-                <a:latin typeface="Garamond" panose="02020404030301010803" pitchFamily="18" charset="0"/>
-              </a:rPr>
-              <a:t>minimum </a:t>
-            </a:r>
-            <a:r>
-              <a:rPr lang="en-IN" dirty="0">
-                <a:latin typeface="Garamond" panose="02020404030301010803" pitchFamily="18" charset="0"/>
-              </a:rPr>
-              <a:t>decrease in the </a:t>
+              <a:rPr lang="en-IN" dirty="0">
+                <a:latin typeface="Garamond" panose="02020404030301010803" pitchFamily="18" charset="0"/>
+              </a:rPr>
+              <a:t>no (or minimum) change of centroids, or</a:t>
+            </a:r>
+          </a:p>
+          <a:p>
+            <a:r>
+              <a:rPr lang="en-IN" dirty="0">
+                <a:latin typeface="Garamond" panose="02020404030301010803" pitchFamily="18" charset="0"/>
+              </a:rPr>
+              <a:t>minimum decrease in the </a:t>
             </a:r>
             <a:r>
               <a:rPr lang="en-IN" b="1" dirty="0">
@@ -7469,9 +6802,6 @@
               </a:rPr>
               <a:t>(SSE), </a:t>
             </a:r>
-            <a:endParaRPr lang="en-IN" dirty="0" smtClean="0">
-              <a:latin typeface="Garamond" panose="02020404030301010803" pitchFamily="18" charset="0"/>
-            </a:endParaRPr>
           </a:p>
           <a:p>
             <a:endParaRPr lang="en-IN" dirty="0">
@@ -7479,254 +6809,203 @@
             </a:endParaRPr>
           </a:p>
           <a:p>
-            <a:endParaRPr lang="en-IN" dirty="0" smtClean="0">
-              <a:latin typeface="Garamond" panose="02020404030301010803" pitchFamily="18" charset="0"/>
-            </a:endParaRPr>
-          </a:p>
-          <a:p>
             <a:endParaRPr lang="en-IN" dirty="0">
               <a:latin typeface="Garamond" panose="02020404030301010803" pitchFamily="18" charset="0"/>
             </a:endParaRPr>
           </a:p>
           <a:p>
-            <a:pPr lvl="1"/>
-            <a:r>
-              <a:rPr lang="en-IN" i="1" dirty="0" smtClean="0">
-                <a:latin typeface="Garamond" panose="02020404030301010803" pitchFamily="18" charset="0"/>
-              </a:rPr>
-              <a:t>C</a:t>
-            </a:r>
-            <a:r>
-              <a:rPr lang="en-IN" i="1" baseline="-25000" dirty="0" smtClean="0">
-                <a:latin typeface="Garamond" panose="02020404030301010803" pitchFamily="18" charset="0"/>
-              </a:rPr>
-              <a:t>j</a:t>
-            </a:r>
-            <a:r>
-              <a:rPr lang="en-IN" i="1" dirty="0" smtClean="0">
-                <a:latin typeface="Garamond" panose="02020404030301010803" pitchFamily="18" charset="0"/>
-              </a:rPr>
-              <a:t> </a:t>
-            </a:r>
-            <a:r>
-              <a:rPr lang="en-IN" dirty="0" smtClean="0">
-                <a:latin typeface="Garamond" panose="02020404030301010803" pitchFamily="18" charset="0"/>
-              </a:rPr>
-              <a:t>is </a:t>
-            </a:r>
-            <a:r>
-              <a:rPr lang="en-IN" dirty="0">
-                <a:latin typeface="Garamond" panose="02020404030301010803" pitchFamily="18" charset="0"/>
-              </a:rPr>
-              <a:t>the </a:t>
-            </a:r>
-            <a:r>
-              <a:rPr lang="en-IN" i="1" dirty="0" err="1" smtClean="0">
-                <a:latin typeface="Garamond" panose="02020404030301010803" pitchFamily="18" charset="0"/>
-              </a:rPr>
-              <a:t>j</a:t>
-            </a:r>
-            <a:r>
-              <a:rPr lang="en-IN" dirty="0" err="1" smtClean="0">
-                <a:latin typeface="Garamond" panose="02020404030301010803" pitchFamily="18" charset="0"/>
-              </a:rPr>
-              <a:t>th</a:t>
-            </a:r>
-            <a:r>
-              <a:rPr lang="en-IN" dirty="0" smtClean="0">
-                <a:latin typeface="Garamond" panose="02020404030301010803" pitchFamily="18" charset="0"/>
-              </a:rPr>
-              <a:t> cluster</a:t>
-            </a:r>
-            <a:r>
-              <a:rPr lang="en-IN" dirty="0">
-                <a:latin typeface="Garamond" panose="02020404030301010803" pitchFamily="18" charset="0"/>
-              </a:rPr>
-              <a:t>, </a:t>
-            </a:r>
-            <a:endParaRPr lang="en-IN" dirty="0" smtClean="0">
-              <a:latin typeface="Garamond" panose="02020404030301010803" pitchFamily="18" charset="0"/>
-            </a:endParaRPr>
-          </a:p>
-          <a:p>
-            <a:pPr lvl="1"/>
-            <a:r>
-              <a:rPr lang="en-IN" b="1" dirty="0" smtClean="0">
-                <a:latin typeface="Garamond" panose="02020404030301010803" pitchFamily="18" charset="0"/>
-              </a:rPr>
-              <a:t>m</a:t>
-            </a:r>
-            <a:r>
-              <a:rPr lang="en-IN" i="1" baseline="-25000" dirty="0" smtClean="0">
-                <a:latin typeface="Garamond" panose="02020404030301010803" pitchFamily="18" charset="0"/>
-              </a:rPr>
-              <a:t>j</a:t>
-            </a:r>
-            <a:r>
-              <a:rPr lang="en-IN" i="1" dirty="0" smtClean="0">
-                <a:latin typeface="Garamond" panose="02020404030301010803" pitchFamily="18" charset="0"/>
-              </a:rPr>
-              <a:t> </a:t>
-            </a:r>
-            <a:r>
-              <a:rPr lang="en-IN" dirty="0" smtClean="0">
-                <a:latin typeface="Garamond" panose="02020404030301010803" pitchFamily="18" charset="0"/>
-              </a:rPr>
-              <a:t>is </a:t>
-            </a:r>
-            <a:r>
-              <a:rPr lang="en-IN" dirty="0">
-                <a:latin typeface="Garamond" panose="02020404030301010803" pitchFamily="18" charset="0"/>
-              </a:rPr>
-              <a:t>the centroid of cluster </a:t>
-            </a:r>
-            <a:r>
-              <a:rPr lang="en-IN" i="1" dirty="0" smtClean="0">
-                <a:latin typeface="Garamond" panose="02020404030301010803" pitchFamily="18" charset="0"/>
-              </a:rPr>
-              <a:t>C</a:t>
-            </a:r>
-            <a:r>
-              <a:rPr lang="en-IN" i="1" baseline="-25000" dirty="0" smtClean="0">
-                <a:latin typeface="Garamond" panose="02020404030301010803" pitchFamily="18" charset="0"/>
-              </a:rPr>
-              <a:t>j</a:t>
-            </a:r>
-            <a:r>
-              <a:rPr lang="en-IN" i="1" dirty="0" smtClean="0">
-                <a:latin typeface="Garamond" panose="02020404030301010803" pitchFamily="18" charset="0"/>
-              </a:rPr>
-              <a:t> </a:t>
-            </a:r>
-            <a:r>
-              <a:rPr lang="en-IN" dirty="0" smtClean="0">
-                <a:latin typeface="Garamond" panose="02020404030301010803" pitchFamily="18" charset="0"/>
-              </a:rPr>
-              <a:t>(</a:t>
-            </a:r>
-            <a:r>
-              <a:rPr lang="en-IN" dirty="0">
-                <a:latin typeface="Garamond" panose="02020404030301010803" pitchFamily="18" charset="0"/>
-              </a:rPr>
-              <a:t>the mean vector of all the data points in </a:t>
-            </a:r>
-            <a:r>
-              <a:rPr lang="en-IN" i="1" dirty="0">
-                <a:latin typeface="Garamond" panose="02020404030301010803" pitchFamily="18" charset="0"/>
-              </a:rPr>
-              <a:t>C</a:t>
-            </a:r>
-            <a:r>
-              <a:rPr lang="en-IN" i="1" baseline="-25000" dirty="0">
-                <a:latin typeface="Garamond" panose="02020404030301010803" pitchFamily="18" charset="0"/>
-              </a:rPr>
-              <a:t>j</a:t>
-            </a:r>
-            <a:r>
-              <a:rPr lang="en-IN" dirty="0">
-                <a:latin typeface="Garamond" panose="02020404030301010803" pitchFamily="18" charset="0"/>
-              </a:rPr>
-              <a:t>), </a:t>
-            </a:r>
-            <a:endParaRPr lang="en-IN" dirty="0" smtClean="0">
-              <a:latin typeface="Garamond" panose="02020404030301010803" pitchFamily="18" charset="0"/>
-            </a:endParaRPr>
-          </a:p>
-          <a:p>
-            <a:pPr lvl="1"/>
-            <a:r>
-              <a:rPr lang="en-IN" i="1" dirty="0" smtClean="0">
-                <a:latin typeface="Garamond" panose="02020404030301010803" pitchFamily="18" charset="0"/>
-              </a:rPr>
-              <a:t>d</a:t>
-            </a:r>
-            <a:r>
-              <a:rPr lang="en-IN" dirty="0" smtClean="0">
-                <a:latin typeface="Garamond" panose="02020404030301010803" pitchFamily="18" charset="0"/>
-              </a:rPr>
-              <a:t>(</a:t>
-            </a:r>
-            <a:r>
-              <a:rPr lang="en-IN" b="1" dirty="0" smtClean="0">
-                <a:latin typeface="Garamond" panose="02020404030301010803" pitchFamily="18" charset="0"/>
-              </a:rPr>
-              <a:t>x</a:t>
-            </a:r>
-            <a:r>
-              <a:rPr lang="en-IN" dirty="0">
-                <a:latin typeface="Garamond" panose="02020404030301010803" pitchFamily="18" charset="0"/>
-              </a:rPr>
-              <a:t>, </a:t>
-            </a:r>
-            <a:r>
-              <a:rPr lang="en-IN" b="1" dirty="0">
-                <a:latin typeface="Garamond" panose="02020404030301010803" pitchFamily="18" charset="0"/>
-              </a:rPr>
-              <a:t>m</a:t>
-            </a:r>
-            <a:r>
-              <a:rPr lang="en-IN" i="1" baseline="-25000" dirty="0">
-                <a:latin typeface="Garamond" panose="02020404030301010803" pitchFamily="18" charset="0"/>
-              </a:rPr>
-              <a:t>j</a:t>
-            </a:r>
-            <a:r>
-              <a:rPr lang="en-IN" dirty="0">
-                <a:latin typeface="Garamond" panose="02020404030301010803" pitchFamily="18" charset="0"/>
-              </a:rPr>
-              <a:t>) is the </a:t>
-            </a:r>
-            <a:r>
-              <a:rPr lang="en-IN" dirty="0" smtClean="0">
-                <a:latin typeface="Garamond" panose="02020404030301010803" pitchFamily="18" charset="0"/>
-              </a:rPr>
-              <a:t>(Euclidian) </a:t>
-            </a:r>
-            <a:r>
-              <a:rPr lang="en-IN" dirty="0">
-                <a:latin typeface="Garamond" panose="02020404030301010803" pitchFamily="18" charset="0"/>
-              </a:rPr>
-              <a:t>distance between data point </a:t>
-            </a:r>
-            <a:r>
-              <a:rPr lang="en-IN" b="1" dirty="0" smtClean="0">
-                <a:latin typeface="Garamond" panose="02020404030301010803" pitchFamily="18" charset="0"/>
-              </a:rPr>
-              <a:t>x </a:t>
-            </a:r>
-            <a:r>
-              <a:rPr lang="en-IN" dirty="0" smtClean="0">
-                <a:latin typeface="Garamond" panose="02020404030301010803" pitchFamily="18" charset="0"/>
-              </a:rPr>
-              <a:t>and </a:t>
-            </a:r>
-            <a:r>
-              <a:rPr lang="en-IN" dirty="0">
-                <a:latin typeface="Garamond" panose="02020404030301010803" pitchFamily="18" charset="0"/>
-              </a:rPr>
-              <a:t>centroid </a:t>
-            </a:r>
-            <a:r>
-              <a:rPr lang="en-IN" b="1" dirty="0" smtClean="0">
-                <a:latin typeface="Garamond" panose="02020404030301010803" pitchFamily="18" charset="0"/>
-              </a:rPr>
-              <a:t>m</a:t>
-            </a:r>
-            <a:r>
-              <a:rPr lang="en-IN" i="1" baseline="-25000" dirty="0" smtClean="0">
-                <a:latin typeface="Garamond" panose="02020404030301010803" pitchFamily="18" charset="0"/>
-              </a:rPr>
-              <a:t>j</a:t>
-            </a:r>
-            <a:r>
-              <a:rPr lang="en-IN" dirty="0" smtClean="0">
-                <a:latin typeface="Garamond" panose="02020404030301010803" pitchFamily="18" charset="0"/>
-              </a:rPr>
-              <a:t>. </a:t>
-            </a:r>
             <a:endParaRPr lang="en-IN" dirty="0">
               <a:latin typeface="Garamond" panose="02020404030301010803" pitchFamily="18" charset="0"/>
             </a:endParaRPr>
+          </a:p>
+          <a:p>
+            <a:pPr lvl="1"/>
+            <a:r>
+              <a:rPr lang="en-IN" i="1" dirty="0">
+                <a:latin typeface="Garamond" panose="02020404030301010803" pitchFamily="18" charset="0"/>
+              </a:rPr>
+              <a:t>C</a:t>
+            </a:r>
+            <a:r>
+              <a:rPr lang="en-IN" i="1" baseline="-25000" dirty="0">
+                <a:latin typeface="Garamond" panose="02020404030301010803" pitchFamily="18" charset="0"/>
+              </a:rPr>
+              <a:t>j</a:t>
+            </a:r>
+            <a:r>
+              <a:rPr lang="en-IN" i="1" dirty="0">
+                <a:latin typeface="Garamond" panose="02020404030301010803" pitchFamily="18" charset="0"/>
+              </a:rPr>
+              <a:t> </a:t>
+            </a:r>
+            <a:r>
+              <a:rPr lang="en-IN" dirty="0">
+                <a:latin typeface="Garamond" panose="02020404030301010803" pitchFamily="18" charset="0"/>
+              </a:rPr>
+              <a:t>is the </a:t>
+            </a:r>
+            <a:r>
+              <a:rPr lang="en-IN" i="1" dirty="0" err="1">
+                <a:latin typeface="Garamond" panose="02020404030301010803" pitchFamily="18" charset="0"/>
+              </a:rPr>
+              <a:t>j</a:t>
+            </a:r>
+            <a:r>
+              <a:rPr lang="en-IN" dirty="0" err="1">
+                <a:latin typeface="Garamond" panose="02020404030301010803" pitchFamily="18" charset="0"/>
+              </a:rPr>
+              <a:t>th</a:t>
+            </a:r>
+            <a:r>
+              <a:rPr lang="en-IN" dirty="0">
+                <a:latin typeface="Garamond" panose="02020404030301010803" pitchFamily="18" charset="0"/>
+              </a:rPr>
+              <a:t> cluster, </a:t>
+            </a:r>
+          </a:p>
+          <a:p>
+            <a:pPr lvl="1"/>
+            <a:r>
+              <a:rPr lang="en-IN" b="1" dirty="0">
+                <a:latin typeface="Garamond" panose="02020404030301010803" pitchFamily="18" charset="0"/>
+              </a:rPr>
+              <a:t>m</a:t>
+            </a:r>
+            <a:r>
+              <a:rPr lang="en-IN" i="1" baseline="-25000" dirty="0">
+                <a:latin typeface="Garamond" panose="02020404030301010803" pitchFamily="18" charset="0"/>
+              </a:rPr>
+              <a:t>j</a:t>
+            </a:r>
+            <a:r>
+              <a:rPr lang="en-IN" i="1" dirty="0">
+                <a:latin typeface="Garamond" panose="02020404030301010803" pitchFamily="18" charset="0"/>
+              </a:rPr>
+              <a:t> </a:t>
+            </a:r>
+            <a:r>
+              <a:rPr lang="en-IN" dirty="0">
+                <a:latin typeface="Garamond" panose="02020404030301010803" pitchFamily="18" charset="0"/>
+              </a:rPr>
+              <a:t>is the centroid of cluster </a:t>
+            </a:r>
+            <a:r>
+              <a:rPr lang="en-IN" i="1" dirty="0">
+                <a:latin typeface="Garamond" panose="02020404030301010803" pitchFamily="18" charset="0"/>
+              </a:rPr>
+              <a:t>C</a:t>
+            </a:r>
+            <a:r>
+              <a:rPr lang="en-IN" i="1" baseline="-25000" dirty="0">
+                <a:latin typeface="Garamond" panose="02020404030301010803" pitchFamily="18" charset="0"/>
+              </a:rPr>
+              <a:t>j</a:t>
+            </a:r>
+            <a:r>
+              <a:rPr lang="en-IN" i="1" dirty="0">
+                <a:latin typeface="Garamond" panose="02020404030301010803" pitchFamily="18" charset="0"/>
+              </a:rPr>
+              <a:t> </a:t>
+            </a:r>
+            <a:r>
+              <a:rPr lang="en-IN" dirty="0">
+                <a:latin typeface="Garamond" panose="02020404030301010803" pitchFamily="18" charset="0"/>
+              </a:rPr>
+              <a:t>(the mean vector of all the data points in </a:t>
+            </a:r>
+            <a:r>
+              <a:rPr lang="en-IN" i="1" dirty="0">
+                <a:latin typeface="Garamond" panose="02020404030301010803" pitchFamily="18" charset="0"/>
+              </a:rPr>
+              <a:t>C</a:t>
+            </a:r>
+            <a:r>
+              <a:rPr lang="en-IN" i="1" baseline="-25000" dirty="0">
+                <a:latin typeface="Garamond" panose="02020404030301010803" pitchFamily="18" charset="0"/>
+              </a:rPr>
+              <a:t>j</a:t>
+            </a:r>
+            <a:r>
+              <a:rPr lang="en-IN" dirty="0">
+                <a:latin typeface="Garamond" panose="02020404030301010803" pitchFamily="18" charset="0"/>
+              </a:rPr>
+              <a:t>), </a:t>
+            </a:r>
+          </a:p>
+          <a:p>
+            <a:pPr lvl="1"/>
+            <a:r>
+              <a:rPr lang="en-IN" i="1" dirty="0">
+                <a:latin typeface="Garamond" panose="02020404030301010803" pitchFamily="18" charset="0"/>
+              </a:rPr>
+              <a:t>d</a:t>
+            </a:r>
+            <a:r>
+              <a:rPr lang="en-IN" dirty="0">
+                <a:latin typeface="Garamond" panose="02020404030301010803" pitchFamily="18" charset="0"/>
+              </a:rPr>
+              <a:t>(</a:t>
+            </a:r>
+            <a:r>
+              <a:rPr lang="en-IN" b="1" dirty="0">
+                <a:latin typeface="Garamond" panose="02020404030301010803" pitchFamily="18" charset="0"/>
+              </a:rPr>
+              <a:t>x</a:t>
+            </a:r>
+            <a:r>
+              <a:rPr lang="en-IN" dirty="0">
+                <a:latin typeface="Garamond" panose="02020404030301010803" pitchFamily="18" charset="0"/>
+              </a:rPr>
+              <a:t>, </a:t>
+            </a:r>
+            <a:r>
+              <a:rPr lang="en-IN" b="1" dirty="0">
+                <a:latin typeface="Garamond" panose="02020404030301010803" pitchFamily="18" charset="0"/>
+              </a:rPr>
+              <a:t>m</a:t>
+            </a:r>
+            <a:r>
+              <a:rPr lang="en-IN" i="1" baseline="-25000" dirty="0">
+                <a:latin typeface="Garamond" panose="02020404030301010803" pitchFamily="18" charset="0"/>
+              </a:rPr>
+              <a:t>j</a:t>
+            </a:r>
+            <a:r>
+              <a:rPr lang="en-IN" dirty="0">
+                <a:latin typeface="Garamond" panose="02020404030301010803" pitchFamily="18" charset="0"/>
+              </a:rPr>
+              <a:t>) is the (Euclidian) distance between data point </a:t>
+            </a:r>
+            <a:r>
+              <a:rPr lang="en-IN" b="1" dirty="0">
+                <a:latin typeface="Garamond" panose="02020404030301010803" pitchFamily="18" charset="0"/>
+              </a:rPr>
+              <a:t>x </a:t>
+            </a:r>
+            <a:r>
+              <a:rPr lang="en-IN" dirty="0">
+                <a:latin typeface="Garamond" panose="02020404030301010803" pitchFamily="18" charset="0"/>
+              </a:rPr>
+              <a:t>and centroid </a:t>
+            </a:r>
+            <a:r>
+              <a:rPr lang="en-IN" b="1" dirty="0">
+                <a:latin typeface="Garamond" panose="02020404030301010803" pitchFamily="18" charset="0"/>
+              </a:rPr>
+              <a:t>m</a:t>
+            </a:r>
+            <a:r>
+              <a:rPr lang="en-IN" i="1" baseline="-25000" dirty="0">
+                <a:latin typeface="Garamond" panose="02020404030301010803" pitchFamily="18" charset="0"/>
+              </a:rPr>
+              <a:t>j</a:t>
+            </a:r>
+            <a:r>
+              <a:rPr lang="en-IN" dirty="0">
+                <a:latin typeface="Garamond" panose="02020404030301010803" pitchFamily="18" charset="0"/>
+              </a:rPr>
+              <a:t>. </a:t>
+            </a:r>
           </a:p>
           <a:p>
             <a:endParaRPr lang="en-IN" dirty="0">
@@ -7780,13 +7059,6 @@
   <p:clrMapOvr>
     <a:masterClrMapping/>
   </p:clrMapOvr>
-  <p:timing>
-    <p:tnLst>
-      <p:par>
-        <p:cTn id="1" dur="indefinite" restart="never" nodeType="tmRoot"/>
-      </p:par>
-    </p:tnLst>
-  </p:timing>
 </p:sld>
 </file>
 
@@ -7823,14 +7095,11 @@
           <a:lstStyle/>
           <a:p>
             <a:r>
-              <a:rPr lang="en-IN" dirty="0" smtClean="0">
+              <a:rPr lang="en-IN" dirty="0">
                 <a:latin typeface="Garamond" panose="02020404030301010803" pitchFamily="18" charset="0"/>
               </a:rPr>
               <a:t>Example</a:t>
             </a:r>
-            <a:endParaRPr lang="en-IN" dirty="0">
-              <a:latin typeface="Garamond" panose="02020404030301010803" pitchFamily="18" charset="0"/>
-            </a:endParaRPr>
           </a:p>
         </p:txBody>
       </p:sp>
@@ -7894,6 +7163,53 @@
           </a:prstGeom>
         </p:spPr>
       </p:pic>
+      <p:sp>
+        <p:nvSpPr>
+          <p:cNvPr id="6" name="TextBox 5">
+            <a:extLst>
+              <a:ext uri="{FF2B5EF4-FFF2-40B4-BE49-F238E27FC236}">
+                <a16:creationId xmlns:a16="http://schemas.microsoft.com/office/drawing/2014/main" id="{0897E628-763C-B44A-B947-168CA4056F69}"/>
+              </a:ext>
+            </a:extLst>
+          </p:cNvPr>
+          <p:cNvSpPr txBox="1"/>
+          <p:nvPr/>
+        </p:nvSpPr>
+        <p:spPr>
+          <a:xfrm>
+            <a:off x="7208873" y="3763926"/>
+            <a:ext cx="839973" cy="1246495"/>
+          </a:xfrm>
+          <a:prstGeom prst="rect">
+            <a:avLst/>
+          </a:prstGeom>
+          <a:noFill/>
+        </p:spPr>
+        <p:txBody>
+          <a:bodyPr wrap="square" rtlCol="0">
+            <a:spAutoFit/>
+          </a:bodyPr>
+          <a:lstStyle/>
+          <a:p>
+            <a:r>
+              <a:rPr lang="en-IN" sz="1500" b="1" dirty="0"/>
+              <a:t>√72</a:t>
+            </a:r>
+          </a:p>
+          <a:p>
+            <a:br>
+              <a:rPr lang="en-IN" sz="1500" b="1" dirty="0"/>
+            </a:br>
+            <a:endParaRPr lang="en-IN" sz="1500" b="1" dirty="0"/>
+          </a:p>
+          <a:p>
+            <a:endParaRPr lang="en-US" sz="1500" b="1" dirty="0"/>
+          </a:p>
+          <a:p>
+            <a:endParaRPr lang="en-US" sz="1500" b="1" dirty="0"/>
+          </a:p>
+        </p:txBody>
+      </p:sp>
     </p:spTree>
     <p:extLst>
       <p:ext uri="{BB962C8B-B14F-4D97-AF65-F5344CB8AC3E}">
@@ -7904,13 +7220,6 @@
   <p:clrMapOvr>
     <a:masterClrMapping/>
   </p:clrMapOvr>
-  <p:timing>
-    <p:tnLst>
-      <p:par>
-        <p:cTn id="1" dur="indefinite" restart="never" nodeType="tmRoot"/>
-      </p:par>
-    </p:tnLst>
-  </p:timing>
 </p:sld>
 </file>
 
@@ -7983,19 +7292,7 @@
               <a:rPr lang="en-IN" dirty="0">
                 <a:latin typeface="Garamond" panose="02020404030301010803" pitchFamily="18" charset="0"/>
               </a:rPr>
-              <a:t> of each cluster) are A1, A4 and A7. Run the k-means algorithm </a:t>
-            </a:r>
-            <a:r>
-              <a:rPr lang="en-IN" dirty="0" smtClean="0">
-                <a:latin typeface="Garamond" panose="02020404030301010803" pitchFamily="18" charset="0"/>
-              </a:rPr>
-              <a:t>for 1 </a:t>
-            </a:r>
-            <a:r>
-              <a:rPr lang="en-IN" dirty="0">
-                <a:latin typeface="Garamond" panose="02020404030301010803" pitchFamily="18" charset="0"/>
-              </a:rPr>
-              <a:t>epoch only. At the end of this epoch show:</a:t>
+              <a:t> of each cluster) are A1, A4 and A7. Run the k-means algorithm for 1 epoch only. At the end of this epoch show:</a:t>
             </a:r>
           </a:p>
           <a:p>
@@ -8003,16 +7300,10 @@
               <a:buNone/>
             </a:pPr>
             <a:r>
-              <a:rPr lang="en-IN" dirty="0" smtClean="0">
-                <a:latin typeface="Garamond" panose="02020404030301010803" pitchFamily="18" charset="0"/>
-              </a:rPr>
-              <a:t>	a</a:t>
-            </a:r>
-            <a:r>
-              <a:rPr lang="en-IN" dirty="0">
-                <a:latin typeface="Garamond" panose="02020404030301010803" pitchFamily="18" charset="0"/>
-              </a:rPr>
-              <a:t>) The new clusters (i.e. the examples belonging to each cluster)</a:t>
+              <a:rPr lang="en-IN" dirty="0">
+                <a:latin typeface="Garamond" panose="02020404030301010803" pitchFamily="18" charset="0"/>
+              </a:rPr>
+              <a:t>	a) The new clusters (i.e. the examples belonging to each cluster)</a:t>
             </a:r>
           </a:p>
           <a:p>
@@ -8020,16 +7311,10 @@
               <a:buNone/>
             </a:pPr>
             <a:r>
-              <a:rPr lang="en-IN" dirty="0" smtClean="0">
-                <a:latin typeface="Garamond" panose="02020404030301010803" pitchFamily="18" charset="0"/>
-              </a:rPr>
-              <a:t>	b</a:t>
-            </a:r>
-            <a:r>
-              <a:rPr lang="en-IN" dirty="0">
-                <a:latin typeface="Garamond" panose="02020404030301010803" pitchFamily="18" charset="0"/>
-              </a:rPr>
-              <a:t>) The </a:t>
+              <a:rPr lang="en-IN" dirty="0">
+                <a:latin typeface="Garamond" panose="02020404030301010803" pitchFamily="18" charset="0"/>
+              </a:rPr>
+              <a:t>	b) The </a:t>
             </a:r>
             <a:r>
               <a:rPr lang="en-IN" dirty="0" err="1">
@@ -8049,28 +7334,10 @@
               <a:buNone/>
             </a:pPr>
             <a:r>
-              <a:rPr lang="en-IN" dirty="0" smtClean="0">
-                <a:latin typeface="Garamond" panose="02020404030301010803" pitchFamily="18" charset="0"/>
-              </a:rPr>
-              <a:t>	c</a:t>
-            </a:r>
-            <a:r>
-              <a:rPr lang="en-IN" dirty="0">
-                <a:latin typeface="Garamond" panose="02020404030301010803" pitchFamily="18" charset="0"/>
-              </a:rPr>
-              <a:t>) Draw a 10 by 10 space with all the 8 points and show the clusters after the first epoch and the </a:t>
-            </a:r>
-            <a:r>
-              <a:rPr lang="en-IN" dirty="0" smtClean="0">
-                <a:latin typeface="Garamond" panose="02020404030301010803" pitchFamily="18" charset="0"/>
-              </a:rPr>
-              <a:t>new centroids</a:t>
-            </a:r>
-            <a:r>
-              <a:rPr lang="en-IN" dirty="0">
-                <a:latin typeface="Garamond" panose="02020404030301010803" pitchFamily="18" charset="0"/>
-              </a:rPr>
-              <a:t>.</a:t>
+              <a:rPr lang="en-IN" dirty="0">
+                <a:latin typeface="Garamond" panose="02020404030301010803" pitchFamily="18" charset="0"/>
+              </a:rPr>
+              <a:t>	c) Draw a 10 by 10 space with all the 8 points and show the clusters after the first epoch and the new centroids.</a:t>
             </a:r>
           </a:p>
           <a:p>
@@ -8078,16 +7345,10 @@
               <a:buNone/>
             </a:pPr>
             <a:r>
-              <a:rPr lang="en-IN" dirty="0" smtClean="0">
-                <a:latin typeface="Garamond" panose="02020404030301010803" pitchFamily="18" charset="0"/>
-              </a:rPr>
-              <a:t>	d</a:t>
-            </a:r>
-            <a:r>
-              <a:rPr lang="en-IN" dirty="0">
-                <a:latin typeface="Garamond" panose="02020404030301010803" pitchFamily="18" charset="0"/>
-              </a:rPr>
-              <a:t>) How many more iterations are needed to converge? Draw the result for each epoch.</a:t>
+              <a:rPr lang="en-IN" dirty="0">
+                <a:latin typeface="Garamond" panose="02020404030301010803" pitchFamily="18" charset="0"/>
+              </a:rPr>
+              <a:t>	d) How many more iterations are needed to converge? Draw the result for each epoch.</a:t>
             </a:r>
           </a:p>
         </p:txBody>
@@ -8102,13 +7363,6 @@
   <p:clrMapOvr>
     <a:masterClrMapping/>
   </p:clrMapOvr>
-  <p:timing>
-    <p:tnLst>
-      <p:par>
-        <p:cTn id="1" dur="indefinite" restart="never" nodeType="tmRoot"/>
-      </p:par>
-    </p:tnLst>
-  </p:timing>
 </p:sld>
 </file>
 
